--- a/New Microsoft PowerPoint Presentation.pptx
+++ b/New Microsoft PowerPoint Presentation.pptx
@@ -15,13 +15,18 @@
     <p:sldId id="269" r:id="rId9"/>
     <p:sldId id="271" r:id="rId10"/>
     <p:sldId id="270" r:id="rId11"/>
-    <p:sldId id="272" r:id="rId12"/>
-    <p:sldId id="273" r:id="rId13"/>
-    <p:sldId id="274" r:id="rId14"/>
-    <p:sldId id="275" r:id="rId15"/>
-    <p:sldId id="259" r:id="rId16"/>
-    <p:sldId id="260" r:id="rId17"/>
-    <p:sldId id="261" r:id="rId18"/>
+    <p:sldId id="274" r:id="rId12"/>
+    <p:sldId id="275" r:id="rId13"/>
+    <p:sldId id="276" r:id="rId14"/>
+    <p:sldId id="273" r:id="rId15"/>
+    <p:sldId id="277" r:id="rId16"/>
+    <p:sldId id="278" r:id="rId17"/>
+    <p:sldId id="279" r:id="rId18"/>
+    <p:sldId id="280" r:id="rId19"/>
+    <p:sldId id="281" r:id="rId20"/>
+    <p:sldId id="259" r:id="rId21"/>
+    <p:sldId id="260" r:id="rId22"/>
+    <p:sldId id="261" r:id="rId23"/>
   </p:sldIdLst>
   <p:sldSz cx="12192000" cy="6858000"/>
   <p:notesSz cx="6858000" cy="9144000"/>
@@ -120,6 +125,11 @@
       </a:defRPr>
     </a:lvl9pPr>
   </p:defaultTextStyle>
+  <p:extLst>
+    <p:ext uri="{EFAFB233-063F-42B5-8137-9DF3F51BA10A}">
+      <p15:sldGuideLst xmlns:p15="http://schemas.microsoft.com/office/powerpoint/2012/main"/>
+    </p:ext>
+  </p:extLst>
 </p:presentation>
 </file>
 
@@ -165,10 +175,9 @@
           </a:lstStyle>
           <a:p>
             <a:r>
-              <a:rPr lang="en-US" smtClean="0"/>
+              <a:rPr lang="en-US"/>
               <a:t>Click to edit Master title style</a:t>
             </a:r>
-            <a:endParaRPr lang="en-US"/>
           </a:p>
         </p:txBody>
       </p:sp>
@@ -230,10 +239,9 @@
           </a:lstStyle>
           <a:p>
             <a:r>
-              <a:rPr lang="en-US" smtClean="0"/>
+              <a:rPr lang="en-US"/>
               <a:t>Click to edit Master subtitle style</a:t>
             </a:r>
-            <a:endParaRPr lang="en-US"/>
           </a:p>
         </p:txBody>
       </p:sp>
@@ -254,7 +262,7 @@
           <a:p>
             <a:fld id="{DF94D693-7B03-4216-A5D0-FC9DD81FCA59}" type="datetimeFigureOut">
               <a:rPr lang="en-US" smtClean="0"/>
-              <a:t>10/18/2019</a:t>
+              <a:t>10/31/2019</a:t>
             </a:fld>
             <a:endParaRPr lang="en-US"/>
           </a:p>
@@ -348,10 +356,9 @@
           <a:lstStyle/>
           <a:p>
             <a:r>
-              <a:rPr lang="en-US" smtClean="0"/>
+              <a:rPr lang="en-US"/>
               <a:t>Click to edit Master title style</a:t>
             </a:r>
-            <a:endParaRPr lang="en-US"/>
           </a:p>
         </p:txBody>
       </p:sp>
@@ -372,38 +379,37 @@
           <a:p>
             <a:pPr lvl="0"/>
             <a:r>
-              <a:rPr lang="en-US" smtClean="0"/>
+              <a:rPr lang="en-US"/>
               <a:t>Click to edit Master text styles</a:t>
             </a:r>
           </a:p>
           <a:p>
             <a:pPr lvl="1"/>
             <a:r>
-              <a:rPr lang="en-US" smtClean="0"/>
+              <a:rPr lang="en-US"/>
               <a:t>Second level</a:t>
             </a:r>
           </a:p>
           <a:p>
             <a:pPr lvl="2"/>
             <a:r>
-              <a:rPr lang="en-US" smtClean="0"/>
+              <a:rPr lang="en-US"/>
               <a:t>Third level</a:t>
             </a:r>
           </a:p>
           <a:p>
             <a:pPr lvl="3"/>
             <a:r>
-              <a:rPr lang="en-US" smtClean="0"/>
+              <a:rPr lang="en-US"/>
               <a:t>Fourth level</a:t>
             </a:r>
           </a:p>
           <a:p>
             <a:pPr lvl="4"/>
             <a:r>
-              <a:rPr lang="en-US" smtClean="0"/>
+              <a:rPr lang="en-US"/>
               <a:t>Fifth level</a:t>
             </a:r>
-            <a:endParaRPr lang="en-US"/>
           </a:p>
         </p:txBody>
       </p:sp>
@@ -424,7 +430,7 @@
           <a:p>
             <a:fld id="{DF94D693-7B03-4216-A5D0-FC9DD81FCA59}" type="datetimeFigureOut">
               <a:rPr lang="en-US" smtClean="0"/>
-              <a:t>10/18/2019</a:t>
+              <a:t>10/31/2019</a:t>
             </a:fld>
             <a:endParaRPr lang="en-US"/>
           </a:p>
@@ -523,10 +529,9 @@
           <a:lstStyle/>
           <a:p>
             <a:r>
-              <a:rPr lang="en-US" smtClean="0"/>
+              <a:rPr lang="en-US"/>
               <a:t>Click to edit Master title style</a:t>
             </a:r>
-            <a:endParaRPr lang="en-US"/>
           </a:p>
         </p:txBody>
       </p:sp>
@@ -552,38 +557,37 @@
           <a:p>
             <a:pPr lvl="0"/>
             <a:r>
-              <a:rPr lang="en-US" smtClean="0"/>
+              <a:rPr lang="en-US"/>
               <a:t>Click to edit Master text styles</a:t>
             </a:r>
           </a:p>
           <a:p>
             <a:pPr lvl="1"/>
             <a:r>
-              <a:rPr lang="en-US" smtClean="0"/>
+              <a:rPr lang="en-US"/>
               <a:t>Second level</a:t>
             </a:r>
           </a:p>
           <a:p>
             <a:pPr lvl="2"/>
             <a:r>
-              <a:rPr lang="en-US" smtClean="0"/>
+              <a:rPr lang="en-US"/>
               <a:t>Third level</a:t>
             </a:r>
           </a:p>
           <a:p>
             <a:pPr lvl="3"/>
             <a:r>
-              <a:rPr lang="en-US" smtClean="0"/>
+              <a:rPr lang="en-US"/>
               <a:t>Fourth level</a:t>
             </a:r>
           </a:p>
           <a:p>
             <a:pPr lvl="4"/>
             <a:r>
-              <a:rPr lang="en-US" smtClean="0"/>
+              <a:rPr lang="en-US"/>
               <a:t>Fifth level</a:t>
             </a:r>
-            <a:endParaRPr lang="en-US"/>
           </a:p>
         </p:txBody>
       </p:sp>
@@ -604,7 +608,7 @@
           <a:p>
             <a:fld id="{DF94D693-7B03-4216-A5D0-FC9DD81FCA59}" type="datetimeFigureOut">
               <a:rPr lang="en-US" smtClean="0"/>
-              <a:t>10/18/2019</a:t>
+              <a:t>10/31/2019</a:t>
             </a:fld>
             <a:endParaRPr lang="en-US"/>
           </a:p>
@@ -698,10 +702,9 @@
           <a:lstStyle/>
           <a:p>
             <a:r>
-              <a:rPr lang="en-US" smtClean="0"/>
+              <a:rPr lang="en-US"/>
               <a:t>Click to edit Master title style</a:t>
             </a:r>
-            <a:endParaRPr lang="en-US"/>
           </a:p>
         </p:txBody>
       </p:sp>
@@ -722,38 +725,37 @@
           <a:p>
             <a:pPr lvl="0"/>
             <a:r>
-              <a:rPr lang="en-US" smtClean="0"/>
+              <a:rPr lang="en-US"/>
               <a:t>Click to edit Master text styles</a:t>
             </a:r>
           </a:p>
           <a:p>
             <a:pPr lvl="1"/>
             <a:r>
-              <a:rPr lang="en-US" smtClean="0"/>
+              <a:rPr lang="en-US"/>
               <a:t>Second level</a:t>
             </a:r>
           </a:p>
           <a:p>
             <a:pPr lvl="2"/>
             <a:r>
-              <a:rPr lang="en-US" smtClean="0"/>
+              <a:rPr lang="en-US"/>
               <a:t>Third level</a:t>
             </a:r>
           </a:p>
           <a:p>
             <a:pPr lvl="3"/>
             <a:r>
-              <a:rPr lang="en-US" smtClean="0"/>
+              <a:rPr lang="en-US"/>
               <a:t>Fourth level</a:t>
             </a:r>
           </a:p>
           <a:p>
             <a:pPr lvl="4"/>
             <a:r>
-              <a:rPr lang="en-US" smtClean="0"/>
+              <a:rPr lang="en-US"/>
               <a:t>Fifth level</a:t>
             </a:r>
-            <a:endParaRPr lang="en-US"/>
           </a:p>
         </p:txBody>
       </p:sp>
@@ -774,7 +776,7 @@
           <a:p>
             <a:fld id="{DF94D693-7B03-4216-A5D0-FC9DD81FCA59}" type="datetimeFigureOut">
               <a:rPr lang="en-US" smtClean="0"/>
-              <a:t>10/18/2019</a:t>
+              <a:t>10/31/2019</a:t>
             </a:fld>
             <a:endParaRPr lang="en-US"/>
           </a:p>
@@ -877,10 +879,9 @@
           </a:lstStyle>
           <a:p>
             <a:r>
-              <a:rPr lang="en-US" smtClean="0"/>
+              <a:rPr lang="en-US"/>
               <a:t>Click to edit Master title style</a:t>
             </a:r>
-            <a:endParaRPr lang="en-US"/>
           </a:p>
         </p:txBody>
       </p:sp>
@@ -997,7 +998,7 @@
           <a:p>
             <a:pPr lvl="0"/>
             <a:r>
-              <a:rPr lang="en-US" smtClean="0"/>
+              <a:rPr lang="en-US"/>
               <a:t>Click to edit Master text styles</a:t>
             </a:r>
           </a:p>
@@ -1020,7 +1021,7 @@
           <a:p>
             <a:fld id="{DF94D693-7B03-4216-A5D0-FC9DD81FCA59}" type="datetimeFigureOut">
               <a:rPr lang="en-US" smtClean="0"/>
-              <a:t>10/18/2019</a:t>
+              <a:t>10/31/2019</a:t>
             </a:fld>
             <a:endParaRPr lang="en-US"/>
           </a:p>
@@ -1114,10 +1115,9 @@
           <a:lstStyle/>
           <a:p>
             <a:r>
-              <a:rPr lang="en-US" smtClean="0"/>
+              <a:rPr lang="en-US"/>
               <a:t>Click to edit Master title style</a:t>
             </a:r>
-            <a:endParaRPr lang="en-US"/>
           </a:p>
         </p:txBody>
       </p:sp>
@@ -1143,38 +1143,37 @@
           <a:p>
             <a:pPr lvl="0"/>
             <a:r>
-              <a:rPr lang="en-US" smtClean="0"/>
+              <a:rPr lang="en-US"/>
               <a:t>Click to edit Master text styles</a:t>
             </a:r>
           </a:p>
           <a:p>
             <a:pPr lvl="1"/>
             <a:r>
-              <a:rPr lang="en-US" smtClean="0"/>
+              <a:rPr lang="en-US"/>
               <a:t>Second level</a:t>
             </a:r>
           </a:p>
           <a:p>
             <a:pPr lvl="2"/>
             <a:r>
-              <a:rPr lang="en-US" smtClean="0"/>
+              <a:rPr lang="en-US"/>
               <a:t>Third level</a:t>
             </a:r>
           </a:p>
           <a:p>
             <a:pPr lvl="3"/>
             <a:r>
-              <a:rPr lang="en-US" smtClean="0"/>
+              <a:rPr lang="en-US"/>
               <a:t>Fourth level</a:t>
             </a:r>
           </a:p>
           <a:p>
             <a:pPr lvl="4"/>
             <a:r>
-              <a:rPr lang="en-US" smtClean="0"/>
+              <a:rPr lang="en-US"/>
               <a:t>Fifth level</a:t>
             </a:r>
-            <a:endParaRPr lang="en-US"/>
           </a:p>
         </p:txBody>
       </p:sp>
@@ -1200,38 +1199,37 @@
           <a:p>
             <a:pPr lvl="0"/>
             <a:r>
-              <a:rPr lang="en-US" smtClean="0"/>
+              <a:rPr lang="en-US"/>
               <a:t>Click to edit Master text styles</a:t>
             </a:r>
           </a:p>
           <a:p>
             <a:pPr lvl="1"/>
             <a:r>
-              <a:rPr lang="en-US" smtClean="0"/>
+              <a:rPr lang="en-US"/>
               <a:t>Second level</a:t>
             </a:r>
           </a:p>
           <a:p>
             <a:pPr lvl="2"/>
             <a:r>
-              <a:rPr lang="en-US" smtClean="0"/>
+              <a:rPr lang="en-US"/>
               <a:t>Third level</a:t>
             </a:r>
           </a:p>
           <a:p>
             <a:pPr lvl="3"/>
             <a:r>
-              <a:rPr lang="en-US" smtClean="0"/>
+              <a:rPr lang="en-US"/>
               <a:t>Fourth level</a:t>
             </a:r>
           </a:p>
           <a:p>
             <a:pPr lvl="4"/>
             <a:r>
-              <a:rPr lang="en-US" smtClean="0"/>
+              <a:rPr lang="en-US"/>
               <a:t>Fifth level</a:t>
             </a:r>
-            <a:endParaRPr lang="en-US"/>
           </a:p>
         </p:txBody>
       </p:sp>
@@ -1252,7 +1250,7 @@
           <a:p>
             <a:fld id="{DF94D693-7B03-4216-A5D0-FC9DD81FCA59}" type="datetimeFigureOut">
               <a:rPr lang="en-US" smtClean="0"/>
-              <a:t>10/18/2019</a:t>
+              <a:t>10/31/2019</a:t>
             </a:fld>
             <a:endParaRPr lang="en-US"/>
           </a:p>
@@ -1351,10 +1349,9 @@
           <a:lstStyle/>
           <a:p>
             <a:r>
-              <a:rPr lang="en-US" smtClean="0"/>
+              <a:rPr lang="en-US"/>
               <a:t>Click to edit Master title style</a:t>
             </a:r>
-            <a:endParaRPr lang="en-US"/>
           </a:p>
         </p:txBody>
       </p:sp>
@@ -1417,7 +1414,7 @@
           <a:p>
             <a:pPr lvl="0"/>
             <a:r>
-              <a:rPr lang="en-US" smtClean="0"/>
+              <a:rPr lang="en-US"/>
               <a:t>Click to edit Master text styles</a:t>
             </a:r>
           </a:p>
@@ -1445,38 +1442,37 @@
           <a:p>
             <a:pPr lvl="0"/>
             <a:r>
-              <a:rPr lang="en-US" smtClean="0"/>
+              <a:rPr lang="en-US"/>
               <a:t>Click to edit Master text styles</a:t>
             </a:r>
           </a:p>
           <a:p>
             <a:pPr lvl="1"/>
             <a:r>
-              <a:rPr lang="en-US" smtClean="0"/>
+              <a:rPr lang="en-US"/>
               <a:t>Second level</a:t>
             </a:r>
           </a:p>
           <a:p>
             <a:pPr lvl="2"/>
             <a:r>
-              <a:rPr lang="en-US" smtClean="0"/>
+              <a:rPr lang="en-US"/>
               <a:t>Third level</a:t>
             </a:r>
           </a:p>
           <a:p>
             <a:pPr lvl="3"/>
             <a:r>
-              <a:rPr lang="en-US" smtClean="0"/>
+              <a:rPr lang="en-US"/>
               <a:t>Fourth level</a:t>
             </a:r>
           </a:p>
           <a:p>
             <a:pPr lvl="4"/>
             <a:r>
-              <a:rPr lang="en-US" smtClean="0"/>
+              <a:rPr lang="en-US"/>
               <a:t>Fifth level</a:t>
             </a:r>
-            <a:endParaRPr lang="en-US"/>
           </a:p>
         </p:txBody>
       </p:sp>
@@ -1539,7 +1535,7 @@
           <a:p>
             <a:pPr lvl="0"/>
             <a:r>
-              <a:rPr lang="en-US" smtClean="0"/>
+              <a:rPr lang="en-US"/>
               <a:t>Click to edit Master text styles</a:t>
             </a:r>
           </a:p>
@@ -1567,38 +1563,37 @@
           <a:p>
             <a:pPr lvl="0"/>
             <a:r>
-              <a:rPr lang="en-US" smtClean="0"/>
+              <a:rPr lang="en-US"/>
               <a:t>Click to edit Master text styles</a:t>
             </a:r>
           </a:p>
           <a:p>
             <a:pPr lvl="1"/>
             <a:r>
-              <a:rPr lang="en-US" smtClean="0"/>
+              <a:rPr lang="en-US"/>
               <a:t>Second level</a:t>
             </a:r>
           </a:p>
           <a:p>
             <a:pPr lvl="2"/>
             <a:r>
-              <a:rPr lang="en-US" smtClean="0"/>
+              <a:rPr lang="en-US"/>
               <a:t>Third level</a:t>
             </a:r>
           </a:p>
           <a:p>
             <a:pPr lvl="3"/>
             <a:r>
-              <a:rPr lang="en-US" smtClean="0"/>
+              <a:rPr lang="en-US"/>
               <a:t>Fourth level</a:t>
             </a:r>
           </a:p>
           <a:p>
             <a:pPr lvl="4"/>
             <a:r>
-              <a:rPr lang="en-US" smtClean="0"/>
+              <a:rPr lang="en-US"/>
               <a:t>Fifth level</a:t>
             </a:r>
-            <a:endParaRPr lang="en-US"/>
           </a:p>
         </p:txBody>
       </p:sp>
@@ -1619,7 +1614,7 @@
           <a:p>
             <a:fld id="{DF94D693-7B03-4216-A5D0-FC9DD81FCA59}" type="datetimeFigureOut">
               <a:rPr lang="en-US" smtClean="0"/>
-              <a:t>10/18/2019</a:t>
+              <a:t>10/31/2019</a:t>
             </a:fld>
             <a:endParaRPr lang="en-US"/>
           </a:p>
@@ -1713,10 +1708,9 @@
           <a:lstStyle/>
           <a:p>
             <a:r>
-              <a:rPr lang="en-US" smtClean="0"/>
+              <a:rPr lang="en-US"/>
               <a:t>Click to edit Master title style</a:t>
             </a:r>
-            <a:endParaRPr lang="en-US"/>
           </a:p>
         </p:txBody>
       </p:sp>
@@ -1737,7 +1731,7 @@
           <a:p>
             <a:fld id="{DF94D693-7B03-4216-A5D0-FC9DD81FCA59}" type="datetimeFigureOut">
               <a:rPr lang="en-US" smtClean="0"/>
-              <a:t>10/18/2019</a:t>
+              <a:t>10/31/2019</a:t>
             </a:fld>
             <a:endParaRPr lang="en-US"/>
           </a:p>
@@ -1832,7 +1826,7 @@
           <a:p>
             <a:fld id="{DF94D693-7B03-4216-A5D0-FC9DD81FCA59}" type="datetimeFigureOut">
               <a:rPr lang="en-US" smtClean="0"/>
-              <a:t>10/18/2019</a:t>
+              <a:t>10/31/2019</a:t>
             </a:fld>
             <a:endParaRPr lang="en-US"/>
           </a:p>
@@ -1935,10 +1929,9 @@
           </a:lstStyle>
           <a:p>
             <a:r>
-              <a:rPr lang="en-US" smtClean="0"/>
+              <a:rPr lang="en-US"/>
               <a:t>Click to edit Master title style</a:t>
             </a:r>
-            <a:endParaRPr lang="en-US"/>
           </a:p>
         </p:txBody>
       </p:sp>
@@ -1992,38 +1985,37 @@
           <a:p>
             <a:pPr lvl="0"/>
             <a:r>
-              <a:rPr lang="en-US" smtClean="0"/>
+              <a:rPr lang="en-US"/>
               <a:t>Click to edit Master text styles</a:t>
             </a:r>
           </a:p>
           <a:p>
             <a:pPr lvl="1"/>
             <a:r>
-              <a:rPr lang="en-US" smtClean="0"/>
+              <a:rPr lang="en-US"/>
               <a:t>Second level</a:t>
             </a:r>
           </a:p>
           <a:p>
             <a:pPr lvl="2"/>
             <a:r>
-              <a:rPr lang="en-US" smtClean="0"/>
+              <a:rPr lang="en-US"/>
               <a:t>Third level</a:t>
             </a:r>
           </a:p>
           <a:p>
             <a:pPr lvl="3"/>
             <a:r>
-              <a:rPr lang="en-US" smtClean="0"/>
+              <a:rPr lang="en-US"/>
               <a:t>Fourth level</a:t>
             </a:r>
           </a:p>
           <a:p>
             <a:pPr lvl="4"/>
             <a:r>
-              <a:rPr lang="en-US" smtClean="0"/>
+              <a:rPr lang="en-US"/>
               <a:t>Fifth level</a:t>
             </a:r>
-            <a:endParaRPr lang="en-US"/>
           </a:p>
         </p:txBody>
       </p:sp>
@@ -2086,7 +2078,7 @@
           <a:p>
             <a:pPr lvl="0"/>
             <a:r>
-              <a:rPr lang="en-US" smtClean="0"/>
+              <a:rPr lang="en-US"/>
               <a:t>Click to edit Master text styles</a:t>
             </a:r>
           </a:p>
@@ -2109,7 +2101,7 @@
           <a:p>
             <a:fld id="{DF94D693-7B03-4216-A5D0-FC9DD81FCA59}" type="datetimeFigureOut">
               <a:rPr lang="en-US" smtClean="0"/>
-              <a:t>10/18/2019</a:t>
+              <a:t>10/31/2019</a:t>
             </a:fld>
             <a:endParaRPr lang="en-US"/>
           </a:p>
@@ -2212,10 +2204,9 @@
           </a:lstStyle>
           <a:p>
             <a:r>
-              <a:rPr lang="en-US" smtClean="0"/>
+              <a:rPr lang="en-US"/>
               <a:t>Click to edit Master title style</a:t>
             </a:r>
-            <a:endParaRPr lang="en-US"/>
           </a:p>
         </p:txBody>
       </p:sp>
@@ -2339,7 +2330,7 @@
           <a:p>
             <a:pPr lvl="0"/>
             <a:r>
-              <a:rPr lang="en-US" smtClean="0"/>
+              <a:rPr lang="en-US"/>
               <a:t>Click to edit Master text styles</a:t>
             </a:r>
           </a:p>
@@ -2362,7 +2353,7 @@
           <a:p>
             <a:fld id="{DF94D693-7B03-4216-A5D0-FC9DD81FCA59}" type="datetimeFigureOut">
               <a:rPr lang="en-US" smtClean="0"/>
-              <a:t>10/18/2019</a:t>
+              <a:t>10/31/2019</a:t>
             </a:fld>
             <a:endParaRPr lang="en-US"/>
           </a:p>
@@ -2471,10 +2462,9 @@
           <a:lstStyle/>
           <a:p>
             <a:r>
-              <a:rPr lang="en-US" smtClean="0"/>
+              <a:rPr lang="en-US"/>
               <a:t>Click to edit Master title style</a:t>
             </a:r>
-            <a:endParaRPr lang="en-US"/>
           </a:p>
         </p:txBody>
       </p:sp>
@@ -2505,38 +2495,37 @@
           <a:p>
             <a:pPr lvl="0"/>
             <a:r>
-              <a:rPr lang="en-US" smtClean="0"/>
+              <a:rPr lang="en-US"/>
               <a:t>Click to edit Master text styles</a:t>
             </a:r>
           </a:p>
           <a:p>
             <a:pPr lvl="1"/>
             <a:r>
-              <a:rPr lang="en-US" smtClean="0"/>
+              <a:rPr lang="en-US"/>
               <a:t>Second level</a:t>
             </a:r>
           </a:p>
           <a:p>
             <a:pPr lvl="2"/>
             <a:r>
-              <a:rPr lang="en-US" smtClean="0"/>
+              <a:rPr lang="en-US"/>
               <a:t>Third level</a:t>
             </a:r>
           </a:p>
           <a:p>
             <a:pPr lvl="3"/>
             <a:r>
-              <a:rPr lang="en-US" smtClean="0"/>
+              <a:rPr lang="en-US"/>
               <a:t>Fourth level</a:t>
             </a:r>
           </a:p>
           <a:p>
             <a:pPr lvl="4"/>
             <a:r>
-              <a:rPr lang="en-US" smtClean="0"/>
+              <a:rPr lang="en-US"/>
               <a:t>Fifth level</a:t>
             </a:r>
-            <a:endParaRPr lang="en-US"/>
           </a:p>
         </p:txBody>
       </p:sp>
@@ -2575,7 +2564,7 @@
           <a:p>
             <a:fld id="{DF94D693-7B03-4216-A5D0-FC9DD81FCA59}" type="datetimeFigureOut">
               <a:rPr lang="en-US" smtClean="0"/>
-              <a:t>10/18/2019</a:t>
+              <a:t>10/31/2019</a:t>
             </a:fld>
             <a:endParaRPr lang="en-US"/>
           </a:p>
@@ -3003,10 +2992,9 @@
           <a:lstStyle/>
           <a:p>
             <a:r>
-              <a:rPr lang="en-US" sz="5400" b="1" dirty="0" smtClean="0"/>
+              <a:rPr lang="en-US" sz="5400" b="1" dirty="0"/>
               <a:t>Population genetics and data analysis in R programming language</a:t>
             </a:r>
-            <a:endParaRPr lang="en-US" sz="5400" b="1" dirty="0"/>
           </a:p>
         </p:txBody>
       </p:sp>
@@ -3018,8 +3006,8 @@
         </p:nvSpPr>
         <p:spPr>
           <a:xfrm>
-            <a:off x="-365760" y="4688618"/>
-            <a:ext cx="8497166" cy="1754326"/>
+            <a:off x="-350770" y="4517051"/>
+            <a:ext cx="8497166" cy="2308324"/>
           </a:xfrm>
           <a:prstGeom prst="rect">
             <a:avLst/>
@@ -3034,32 +3022,33 @@
           <a:p>
             <a:pPr algn="ctr"/>
             <a:r>
-              <a:rPr lang="en-US" sz="3600" dirty="0" smtClean="0"/>
-              <a:t>Dr. Shankar </a:t>
-            </a:r>
-            <a:r>
-              <a:rPr lang="en-US" sz="3600" dirty="0" err="1" smtClean="0"/>
-              <a:t>Kaji</a:t>
-            </a:r>
-            <a:r>
-              <a:rPr lang="en-US" sz="3600" dirty="0" smtClean="0"/>
-              <a:t> Shakya</a:t>
+              <a:rPr lang="en-US" sz="3600" dirty="0"/>
+              <a:t>Dr. Shankar Kaji Shakya</a:t>
             </a:r>
           </a:p>
           <a:p>
             <a:pPr algn="ctr"/>
             <a:r>
-              <a:rPr lang="en-US" sz="3600" dirty="0" smtClean="0"/>
+              <a:rPr lang="en-US" sz="3600" dirty="0">
+                <a:hlinkClick r:id="rId2"/>
+              </a:rPr>
+              <a:t>https://shankarkshakya.github.io/</a:t>
+            </a:r>
+            <a:endParaRPr lang="en-US" sz="3600" dirty="0"/>
+          </a:p>
+          <a:p>
+            <a:pPr algn="ctr"/>
+            <a:r>
+              <a:rPr lang="en-US" sz="3600" dirty="0"/>
               <a:t>Botany and Plant Pathology </a:t>
             </a:r>
           </a:p>
           <a:p>
             <a:pPr algn="ctr"/>
             <a:r>
-              <a:rPr lang="en-US" sz="3600" dirty="0" smtClean="0"/>
+              <a:rPr lang="en-US" sz="3600" dirty="0"/>
               <a:t>Oregon State University, USA</a:t>
             </a:r>
-            <a:endParaRPr lang="en-US" sz="3600" dirty="0"/>
           </a:p>
         </p:txBody>
       </p:sp>
@@ -3072,7 +3061,7 @@
           <p:nvPr/>
         </p:nvPicPr>
         <p:blipFill>
-          <a:blip r:embed="rId2">
+          <a:blip r:embed="rId3">
             <a:extLst>
               <a:ext uri="{28A0092B-C50C-407E-A947-70E740481C1C}">
                 <a14:useLocalDpi xmlns:a14="http://schemas.microsoft.com/office/drawing/2010/main" val="0"/>
@@ -3102,7 +3091,7 @@
           <p:nvPr/>
         </p:nvPicPr>
         <p:blipFill>
-          <a:blip r:embed="rId3" cstate="print">
+          <a:blip r:embed="rId4" cstate="print">
             <a:extLst>
               <a:ext uri="{28A0092B-C50C-407E-A947-70E740481C1C}">
                 <a14:useLocalDpi xmlns:a14="http://schemas.microsoft.com/office/drawing/2010/main" val="0"/>
@@ -3132,7 +3121,7 @@
           <p:nvPr/>
         </p:nvPicPr>
         <p:blipFill>
-          <a:blip r:embed="rId4"/>
+          <a:blip r:embed="rId5"/>
           <a:stretch>
             <a:fillRect/>
           </a:stretch>
@@ -3156,7 +3145,7 @@
           <p:nvPr/>
         </p:nvPicPr>
         <p:blipFill>
-          <a:blip r:embed="rId5"/>
+          <a:blip r:embed="rId6"/>
           <a:stretch>
             <a:fillRect/>
           </a:stretch>
@@ -3181,13 +3170,6 @@
   <p:clrMapOvr>
     <a:masterClrMapping/>
   </p:clrMapOvr>
-  <p:timing>
-    <p:tnLst>
-      <p:par>
-        <p:cTn id="1" dur="indefinite" restart="never" nodeType="tmRoot"/>
-      </p:par>
-    </p:tnLst>
-  </p:timing>
 </p:sld>
 </file>
 
@@ -3230,14 +3212,14 @@
           <a:lstStyle/>
           <a:p>
             <a:r>
-              <a:rPr lang="en-US" sz="3200" b="1" i="0" dirty="0" smtClean="0">
+              <a:rPr lang="en-US" sz="3200" b="1" i="0" dirty="0">
                 <a:effectLst/>
                 <a:cs typeface="Calibri Light" panose="020F0302020204030204" pitchFamily="34" charset="0"/>
               </a:rPr>
               <a:t>Genotype:</a:t>
             </a:r>
             <a:r>
-              <a:rPr lang="en-US" sz="3200" b="0" i="0" dirty="0" smtClean="0">
+              <a:rPr lang="en-US" sz="3200" b="0" i="0" dirty="0">
                 <a:effectLst/>
                 <a:cs typeface="Calibri Light" panose="020F0302020204030204" pitchFamily="34" charset="0"/>
               </a:rPr>
@@ -3245,77 +3227,77 @@
             </a:r>
           </a:p>
           <a:p>
-            <a:endParaRPr lang="en-US" sz="3200" b="0" i="0" dirty="0" smtClean="0">
+            <a:endParaRPr lang="en-US" sz="3200" b="0" i="0" dirty="0">
               <a:effectLst/>
               <a:cs typeface="Calibri Light" panose="020F0302020204030204" pitchFamily="34" charset="0"/>
             </a:endParaRPr>
           </a:p>
           <a:p>
             <a:r>
-              <a:rPr lang="en-US" sz="3200" b="0" i="0" dirty="0" smtClean="0">
+              <a:rPr lang="en-US" sz="3200" b="0" i="0" dirty="0">
                 <a:effectLst/>
                 <a:cs typeface="Calibri Light" panose="020F0302020204030204" pitchFamily="34" charset="0"/>
               </a:rPr>
               <a:t>If an individual has same allele at a locus, we call that </a:t>
             </a:r>
             <a:r>
-              <a:rPr lang="en-US" sz="3200" b="1" i="0" dirty="0" err="1" smtClean="0">
+              <a:rPr lang="en-US" sz="3200" b="1" i="0" dirty="0" err="1">
                 <a:effectLst/>
                 <a:cs typeface="Calibri Light" panose="020F0302020204030204" pitchFamily="34" charset="0"/>
               </a:rPr>
               <a:t>homozyogous</a:t>
             </a:r>
             <a:r>
-              <a:rPr lang="en-US" sz="3200" b="1" i="0" dirty="0" smtClean="0">
+              <a:rPr lang="en-US" sz="3200" b="1" i="0" dirty="0">
                 <a:effectLst/>
                 <a:cs typeface="Calibri Light" panose="020F0302020204030204" pitchFamily="34" charset="0"/>
               </a:rPr>
               <a:t> individua</a:t>
             </a:r>
             <a:r>
-              <a:rPr lang="en-US" sz="3200" b="0" i="0" dirty="0" smtClean="0">
+              <a:rPr lang="en-US" sz="3200" b="0" i="0" dirty="0">
                 <a:effectLst/>
                 <a:cs typeface="Calibri Light" panose="020F0302020204030204" pitchFamily="34" charset="0"/>
               </a:rPr>
               <a:t>l </a:t>
             </a:r>
             <a:r>
-              <a:rPr lang="en-US" sz="3200" b="0" i="0" dirty="0" err="1" smtClean="0">
+              <a:rPr lang="en-US" sz="3200" b="0" i="0" dirty="0" err="1">
                 <a:effectLst/>
                 <a:cs typeface="Calibri Light" panose="020F0302020204030204" pitchFamily="34" charset="0"/>
               </a:rPr>
               <a:t>e.g</a:t>
             </a:r>
             <a:r>
-              <a:rPr lang="en-US" sz="3200" b="0" i="0" dirty="0" smtClean="0">
+              <a:rPr lang="en-US" sz="3200" b="0" i="0" dirty="0">
                 <a:effectLst/>
                 <a:cs typeface="Calibri Light" panose="020F0302020204030204" pitchFamily="34" charset="0"/>
               </a:rPr>
               <a:t> AA or aa If an individual has different allele at a locus, we call that </a:t>
             </a:r>
             <a:r>
-              <a:rPr lang="en-US" sz="3200" b="1" i="0" dirty="0" smtClean="0">
+              <a:rPr lang="en-US" sz="3200" b="1" i="0" dirty="0">
                 <a:effectLst/>
                 <a:cs typeface="Calibri Light" panose="020F0302020204030204" pitchFamily="34" charset="0"/>
               </a:rPr>
               <a:t>heterozygous individual</a:t>
             </a:r>
             <a:r>
-              <a:rPr lang="en-US" sz="3200" b="0" i="0" dirty="0" smtClean="0">
+              <a:rPr lang="en-US" sz="3200" b="0" i="0" dirty="0">
                 <a:effectLst/>
                 <a:cs typeface="Calibri Light" panose="020F0302020204030204" pitchFamily="34" charset="0"/>
               </a:rPr>
               <a:t> </a:t>
             </a:r>
             <a:r>
-              <a:rPr lang="en-US" sz="3200" b="0" i="0" dirty="0" err="1" smtClean="0">
+              <a:rPr lang="en-US" sz="3200" b="0" i="0" dirty="0" err="1">
                 <a:effectLst/>
                 <a:cs typeface="Calibri Light" panose="020F0302020204030204" pitchFamily="34" charset="0"/>
               </a:rPr>
               <a:t>e.g</a:t>
             </a:r>
             <a:r>
-              <a:rPr lang="en-US" sz="3200" b="0" i="0" dirty="0" smtClean="0">
+              <a:rPr lang="en-US" sz="3200" b="0" i="0" dirty="0">
                 <a:effectLst/>
                 <a:cs typeface="Calibri Light" panose="020F0302020204030204" pitchFamily="34" charset="0"/>
               </a:rPr>
@@ -3323,21 +3305,21 @@
             </a:r>
           </a:p>
           <a:p>
-            <a:endParaRPr lang="en-US" sz="3200" b="0" i="0" dirty="0" smtClean="0">
+            <a:endParaRPr lang="en-US" sz="3200" b="0" i="0" dirty="0">
               <a:effectLst/>
               <a:cs typeface="Calibri Light" panose="020F0302020204030204" pitchFamily="34" charset="0"/>
             </a:endParaRPr>
           </a:p>
           <a:p>
             <a:r>
-              <a:rPr lang="en-US" sz="3200" b="1" i="0" dirty="0" smtClean="0">
+              <a:rPr lang="en-US" sz="3200" b="1" i="0" dirty="0">
                 <a:effectLst/>
                 <a:cs typeface="Calibri Light" panose="020F0302020204030204" pitchFamily="34" charset="0"/>
               </a:rPr>
               <a:t>Allele frequency:</a:t>
             </a:r>
             <a:r>
-              <a:rPr lang="en-US" sz="3200" b="0" i="0" dirty="0" smtClean="0">
+              <a:rPr lang="en-US" sz="3200" b="0" i="0" dirty="0">
                 <a:effectLst/>
                 <a:cs typeface="Calibri Light" panose="020F0302020204030204" pitchFamily="34" charset="0"/>
               </a:rPr>
@@ -3345,21 +3327,21 @@
             </a:r>
           </a:p>
           <a:p>
-            <a:endParaRPr lang="en-US" sz="3200" b="0" i="0" dirty="0" smtClean="0">
+            <a:endParaRPr lang="en-US" sz="3200" b="0" i="0" dirty="0">
               <a:effectLst/>
               <a:cs typeface="Calibri Light" panose="020F0302020204030204" pitchFamily="34" charset="0"/>
             </a:endParaRPr>
           </a:p>
           <a:p>
             <a:r>
-              <a:rPr lang="en-US" sz="3200" b="1" i="0" dirty="0" smtClean="0">
+              <a:rPr lang="en-US" sz="3200" b="1" i="0" dirty="0">
                 <a:effectLst/>
                 <a:cs typeface="Calibri Light" panose="020F0302020204030204" pitchFamily="34" charset="0"/>
               </a:rPr>
               <a:t>Genotype frequency:</a:t>
             </a:r>
             <a:r>
-              <a:rPr lang="en-US" sz="3200" b="0" i="0" dirty="0" smtClean="0">
+              <a:rPr lang="en-US" sz="3200" b="0" i="0" dirty="0">
                 <a:effectLst/>
                 <a:cs typeface="Calibri Light" panose="020F0302020204030204" pitchFamily="34" charset="0"/>
               </a:rPr>
@@ -3404,10 +3386,208 @@
           <a:chExt cx="0" cy="0"/>
         </a:xfrm>
       </p:grpSpPr>
+      <p:sp>
+        <p:nvSpPr>
+          <p:cNvPr id="2" name="Rectangle 1">
+            <a:extLst>
+              <a:ext uri="{FF2B5EF4-FFF2-40B4-BE49-F238E27FC236}">
+                <a16:creationId xmlns:a16="http://schemas.microsoft.com/office/drawing/2014/main" id="{8C9970E3-47BB-44A0-B187-93A08E3AF30E}"/>
+              </a:ext>
+            </a:extLst>
+          </p:cNvPr>
+          <p:cNvSpPr/>
+          <p:nvPr/>
+        </p:nvSpPr>
+        <p:spPr>
+          <a:xfrm>
+            <a:off x="679554" y="183391"/>
+            <a:ext cx="11207646" cy="5601533"/>
+          </a:xfrm>
+          <a:prstGeom prst="rect">
+            <a:avLst/>
+          </a:prstGeom>
+        </p:spPr>
+        <p:txBody>
+          <a:bodyPr wrap="square">
+            <a:spAutoFit/>
+          </a:bodyPr>
+          <a:lstStyle/>
+          <a:p>
+            <a:r>
+              <a:rPr lang="en-US" sz="4000" dirty="0">
+                <a:latin typeface="Helvetica Neue"/>
+              </a:rPr>
+              <a:t>Problem number 1: </a:t>
+            </a:r>
+          </a:p>
+          <a:p>
+            <a:endParaRPr lang="en-US" dirty="0">
+              <a:latin typeface="Helvetica Neue"/>
+            </a:endParaRPr>
+          </a:p>
+          <a:p>
+            <a:r>
+              <a:rPr lang="en-US" sz="2000" b="1" dirty="0">
+                <a:latin typeface="Helvetica Neue"/>
+              </a:rPr>
+              <a:t>Lets look at a locus that carries two alleles, A and B. In diploids, we would observed three possible genotypes, two homozygous (AA and BB), and one heterozygous (AB). </a:t>
+            </a:r>
+          </a:p>
+          <a:p>
+            <a:endParaRPr lang="en-US" sz="2000" b="1" dirty="0">
+              <a:latin typeface="Helvetica Neue"/>
+            </a:endParaRPr>
+          </a:p>
+          <a:p>
+            <a:endParaRPr lang="en-US" sz="2000" b="1" dirty="0">
+              <a:latin typeface="Helvetica Neue"/>
+            </a:endParaRPr>
+          </a:p>
+          <a:p>
+            <a:r>
+              <a:rPr lang="en-US" sz="2000" b="1" dirty="0">
+                <a:latin typeface="Helvetica Neue"/>
+              </a:rPr>
+              <a:t>Lets say we found following genotype count, </a:t>
+            </a:r>
+          </a:p>
+          <a:p>
+            <a:endParaRPr lang="en-US" sz="2000" b="1" dirty="0">
+              <a:latin typeface="Helvetica Neue"/>
+            </a:endParaRPr>
+          </a:p>
+          <a:p>
+            <a:r>
+              <a:rPr lang="en-US" sz="2000" b="1" dirty="0">
+                <a:latin typeface="Helvetica Neue"/>
+              </a:rPr>
+              <a:t>AA=38, AB=16, BB = 46. </a:t>
+            </a:r>
+          </a:p>
+          <a:p>
+            <a:endParaRPr lang="en-US" sz="2000" b="1" dirty="0">
+              <a:latin typeface="Helvetica Neue"/>
+            </a:endParaRPr>
+          </a:p>
+          <a:p>
+            <a:r>
+              <a:rPr lang="en-US" sz="2000" b="1" dirty="0">
+                <a:latin typeface="Helvetica Neue"/>
+              </a:rPr>
+              <a:t>Calculate genotype frequency and allele frequency</a:t>
+            </a:r>
+          </a:p>
+          <a:p>
+            <a:endParaRPr lang="en-US" sz="2000" b="1" u="sng" dirty="0">
+              <a:latin typeface="Helvetica Neue"/>
+            </a:endParaRPr>
+          </a:p>
+          <a:p>
+            <a:r>
+              <a:rPr lang="en-US" sz="2000" b="1" u="sng" dirty="0">
+                <a:latin typeface="Helvetica Neue"/>
+              </a:rPr>
+              <a:t>Solution</a:t>
+            </a:r>
+          </a:p>
+          <a:p>
+            <a:endParaRPr lang="en-US" sz="2000" b="1" dirty="0">
+              <a:latin typeface="Helvetica Neue"/>
+            </a:endParaRPr>
+          </a:p>
+          <a:p>
+            <a:r>
+              <a:rPr lang="en-US" sz="2000" b="1" dirty="0">
+                <a:solidFill>
+                  <a:srgbClr val="FF0000"/>
+                </a:solidFill>
+                <a:latin typeface="Helvetica Neue"/>
+              </a:rPr>
+              <a:t>AA genotype </a:t>
+            </a:r>
+            <a:r>
+              <a:rPr lang="en-US" sz="2000" b="1" dirty="0" err="1">
+                <a:solidFill>
+                  <a:srgbClr val="FF0000"/>
+                </a:solidFill>
+                <a:latin typeface="Helvetica Neue"/>
+              </a:rPr>
+              <a:t>freq</a:t>
+            </a:r>
+            <a:r>
+              <a:rPr lang="en-US" sz="2000" b="1" dirty="0">
+                <a:solidFill>
+                  <a:srgbClr val="FF0000"/>
+                </a:solidFill>
+                <a:latin typeface="Helvetica Neue"/>
+              </a:rPr>
+              <a:t> = AA/total number of individuals</a:t>
+            </a:r>
+          </a:p>
+          <a:p>
+            <a:r>
+              <a:rPr lang="en-US" sz="2000" b="1" dirty="0">
+                <a:solidFill>
+                  <a:srgbClr val="FF0000"/>
+                </a:solidFill>
+                <a:latin typeface="Helvetica Neue"/>
+              </a:rPr>
+              <a:t>AB genotype </a:t>
+            </a:r>
+            <a:r>
+              <a:rPr lang="en-US" sz="2000" b="1" dirty="0" err="1">
+                <a:solidFill>
+                  <a:srgbClr val="FF0000"/>
+                </a:solidFill>
+                <a:latin typeface="Helvetica Neue"/>
+              </a:rPr>
+              <a:t>freq</a:t>
+            </a:r>
+            <a:r>
+              <a:rPr lang="en-US" sz="2000" b="1" dirty="0">
+                <a:solidFill>
+                  <a:srgbClr val="FF0000"/>
+                </a:solidFill>
+                <a:latin typeface="Helvetica Neue"/>
+              </a:rPr>
+              <a:t> = AB/total number of individuals</a:t>
+            </a:r>
+          </a:p>
+          <a:p>
+            <a:r>
+              <a:rPr lang="en-US" sz="2000" b="1" dirty="0">
+                <a:solidFill>
+                  <a:srgbClr val="FF0000"/>
+                </a:solidFill>
+                <a:latin typeface="Helvetica Neue"/>
+              </a:rPr>
+              <a:t>BB genotype </a:t>
+            </a:r>
+            <a:r>
+              <a:rPr lang="en-US" sz="2000" b="1" dirty="0" err="1">
+                <a:solidFill>
+                  <a:srgbClr val="FF0000"/>
+                </a:solidFill>
+                <a:latin typeface="Helvetica Neue"/>
+              </a:rPr>
+              <a:t>freq</a:t>
+            </a:r>
+            <a:r>
+              <a:rPr lang="en-US" sz="2000" b="1" dirty="0">
+                <a:solidFill>
+                  <a:srgbClr val="FF0000"/>
+                </a:solidFill>
+                <a:latin typeface="Helvetica Neue"/>
+              </a:rPr>
+              <a:t> = BB/total number of individuals</a:t>
+            </a:r>
+          </a:p>
+        </p:txBody>
+      </p:sp>
     </p:spTree>
     <p:extLst>
       <p:ext uri="{BB962C8B-B14F-4D97-AF65-F5344CB8AC3E}">
-        <p14:creationId xmlns:p14="http://schemas.microsoft.com/office/powerpoint/2010/main" val="4272397455"/>
+        <p14:creationId xmlns:p14="http://schemas.microsoft.com/office/powerpoint/2010/main" val="922820523"/>
       </p:ext>
     </p:extLst>
   </p:cSld>
@@ -3436,14 +3616,20 @@
       </p:grpSpPr>
       <p:sp>
         <p:nvSpPr>
-          <p:cNvPr id="2" name="TextBox 1"/>
+          <p:cNvPr id="2" name="TextBox 1">
+            <a:extLst>
+              <a:ext uri="{FF2B5EF4-FFF2-40B4-BE49-F238E27FC236}">
+                <a16:creationId xmlns:a16="http://schemas.microsoft.com/office/drawing/2014/main" id="{030A7550-DB94-4149-9748-E298C6A46A7D}"/>
+              </a:ext>
+            </a:extLst>
+          </p:cNvPr>
           <p:cNvSpPr txBox="1"/>
           <p:nvPr/>
         </p:nvSpPr>
         <p:spPr>
           <a:xfrm>
-            <a:off x="2672861" y="365761"/>
-            <a:ext cx="9158068" cy="769441"/>
+            <a:off x="1948721" y="314794"/>
+            <a:ext cx="8559383" cy="707886"/>
           </a:xfrm>
           <a:prstGeom prst="rect">
             <a:avLst/>
@@ -3457,17 +3643,151 @@
           <a:lstStyle/>
           <a:p>
             <a:r>
-              <a:rPr lang="en-US" sz="4400" dirty="0" smtClean="0"/>
-              <a:t>Hardy Weinberg equilibrium</a:t>
-            </a:r>
-            <a:endParaRPr lang="en-US" sz="4400" dirty="0"/>
+              <a:rPr lang="en-US" sz="4000" b="1" dirty="0"/>
+              <a:t>Next we </a:t>
+            </a:r>
+            <a:r>
+              <a:rPr lang="en-US" sz="4000" b="1" dirty="0" err="1"/>
+              <a:t>ll</a:t>
+            </a:r>
+            <a:r>
+              <a:rPr lang="en-US" sz="4000" b="1" dirty="0"/>
+              <a:t> calculate allele frequency</a:t>
+            </a:r>
+          </a:p>
+        </p:txBody>
+      </p:sp>
+      <p:sp>
+        <p:nvSpPr>
+          <p:cNvPr id="3" name="Rectangle 2">
+            <a:extLst>
+              <a:ext uri="{FF2B5EF4-FFF2-40B4-BE49-F238E27FC236}">
+                <a16:creationId xmlns:a16="http://schemas.microsoft.com/office/drawing/2014/main" id="{3ADA4EAD-3CD6-4D15-B62E-53C19D4466BB}"/>
+              </a:ext>
+            </a:extLst>
+          </p:cNvPr>
+          <p:cNvSpPr/>
+          <p:nvPr/>
+        </p:nvSpPr>
+        <p:spPr>
+          <a:xfrm>
+            <a:off x="709534" y="1138535"/>
+            <a:ext cx="11327567" cy="954107"/>
+          </a:xfrm>
+          <a:prstGeom prst="rect">
+            <a:avLst/>
+          </a:prstGeom>
+        </p:spPr>
+        <p:txBody>
+          <a:bodyPr wrap="square">
+            <a:spAutoFit/>
+          </a:bodyPr>
+          <a:lstStyle/>
+          <a:p>
+            <a:r>
+              <a:rPr lang="en-US" sz="2800" dirty="0">
+                <a:latin typeface="Helvetica Neue"/>
+              </a:rPr>
+              <a:t>Definition: allele </a:t>
+            </a:r>
+            <a:r>
+              <a:rPr lang="en-US" sz="2800" dirty="0" err="1">
+                <a:latin typeface="Helvetica Neue"/>
+              </a:rPr>
+              <a:t>freq</a:t>
+            </a:r>
+            <a:r>
+              <a:rPr lang="en-US" sz="2800" dirty="0">
+                <a:latin typeface="Helvetica Neue"/>
+              </a:rPr>
+              <a:t> is frequency of copies of the allele in the population divided by total number of gene copies in the population</a:t>
+            </a:r>
+            <a:endParaRPr lang="en-US" sz="2800" dirty="0"/>
+          </a:p>
+        </p:txBody>
+      </p:sp>
+      <p:sp>
+        <p:nvSpPr>
+          <p:cNvPr id="5" name="TextBox 4">
+            <a:extLst>
+              <a:ext uri="{FF2B5EF4-FFF2-40B4-BE49-F238E27FC236}">
+                <a16:creationId xmlns:a16="http://schemas.microsoft.com/office/drawing/2014/main" id="{64200A96-CC9F-485F-A7B0-4AD60035E8E0}"/>
+              </a:ext>
+            </a:extLst>
+          </p:cNvPr>
+          <p:cNvSpPr txBox="1"/>
+          <p:nvPr/>
+        </p:nvSpPr>
+        <p:spPr>
+          <a:xfrm>
+            <a:off x="914400" y="2518348"/>
+            <a:ext cx="9833548" cy="2677656"/>
+          </a:xfrm>
+          <a:prstGeom prst="rect">
+            <a:avLst/>
+          </a:prstGeom>
+          <a:noFill/>
+        </p:spPr>
+        <p:txBody>
+          <a:bodyPr wrap="square" rtlCol="0">
+            <a:spAutoFit/>
+          </a:bodyPr>
+          <a:lstStyle/>
+          <a:p>
+            <a:r>
+              <a:rPr lang="en-US" sz="2800" dirty="0"/>
+              <a:t>A = 2*38 + 16</a:t>
+            </a:r>
+          </a:p>
+          <a:p>
+            <a:r>
+              <a:rPr lang="en-US" sz="2800" dirty="0"/>
+              <a:t>B = 2*46 +  16</a:t>
+            </a:r>
+          </a:p>
+          <a:p>
+            <a:r>
+              <a:rPr lang="en-US" sz="2800" dirty="0"/>
+              <a:t>Gene copies = 200</a:t>
+            </a:r>
+          </a:p>
+          <a:p>
+            <a:endParaRPr lang="en-US" sz="2800" dirty="0"/>
+          </a:p>
+          <a:p>
+            <a:r>
+              <a:rPr lang="en-US" sz="2800" dirty="0"/>
+              <a:t>Allele </a:t>
+            </a:r>
+            <a:r>
+              <a:rPr lang="en-US" sz="2800" dirty="0" err="1"/>
+              <a:t>freq</a:t>
+            </a:r>
+            <a:r>
+              <a:rPr lang="en-US" sz="2800" dirty="0"/>
+              <a:t> A = A/gene copies</a:t>
+            </a:r>
+          </a:p>
+          <a:p>
+            <a:r>
+              <a:rPr lang="en-US" sz="2800" dirty="0"/>
+              <a:t>Allele </a:t>
+            </a:r>
+            <a:r>
+              <a:rPr lang="en-US" sz="2800" dirty="0" err="1"/>
+              <a:t>freq</a:t>
+            </a:r>
+            <a:r>
+              <a:rPr lang="en-US" sz="2800" dirty="0"/>
+              <a:t> B = B/gene copies</a:t>
+            </a:r>
           </a:p>
         </p:txBody>
       </p:sp>
     </p:spTree>
     <p:extLst>
       <p:ext uri="{BB962C8B-B14F-4D97-AF65-F5344CB8AC3E}">
-        <p14:creationId xmlns:p14="http://schemas.microsoft.com/office/powerpoint/2010/main" val="140204590"/>
+        <p14:creationId xmlns:p14="http://schemas.microsoft.com/office/powerpoint/2010/main" val="48236970"/>
       </p:ext>
     </p:extLst>
   </p:cSld>
@@ -3494,10 +3814,45 @@
           <a:chExt cx="0" cy="0"/>
         </a:xfrm>
       </p:grpSpPr>
+      <p:sp>
+        <p:nvSpPr>
+          <p:cNvPr id="2" name="TextBox 1">
+            <a:extLst>
+              <a:ext uri="{FF2B5EF4-FFF2-40B4-BE49-F238E27FC236}">
+                <a16:creationId xmlns:a16="http://schemas.microsoft.com/office/drawing/2014/main" id="{390A4A79-403B-4DA0-BAC6-48DA50DA4511}"/>
+              </a:ext>
+            </a:extLst>
+          </p:cNvPr>
+          <p:cNvSpPr txBox="1"/>
+          <p:nvPr/>
+        </p:nvSpPr>
+        <p:spPr>
+          <a:xfrm>
+            <a:off x="3117954" y="1439056"/>
+            <a:ext cx="2614498" cy="369332"/>
+          </a:xfrm>
+          <a:prstGeom prst="rect">
+            <a:avLst/>
+          </a:prstGeom>
+          <a:noFill/>
+        </p:spPr>
+        <p:txBody>
+          <a:bodyPr wrap="none" rtlCol="0">
+            <a:spAutoFit/>
+          </a:bodyPr>
+          <a:lstStyle/>
+          <a:p>
+            <a:r>
+              <a:rPr lang="en-US" dirty="0"/>
+              <a:t>Add some more problems</a:t>
+            </a:r>
+          </a:p>
+        </p:txBody>
+      </p:sp>
     </p:spTree>
     <p:extLst>
       <p:ext uri="{BB962C8B-B14F-4D97-AF65-F5344CB8AC3E}">
-        <p14:creationId xmlns:p14="http://schemas.microsoft.com/office/powerpoint/2010/main" val="86014052"/>
+        <p14:creationId xmlns:p14="http://schemas.microsoft.com/office/powerpoint/2010/main" val="144983519"/>
       </p:ext>
     </p:extLst>
   </p:cSld>
@@ -3524,10 +3879,76 @@
           <a:chExt cx="0" cy="0"/>
         </a:xfrm>
       </p:grpSpPr>
+      <p:sp>
+        <p:nvSpPr>
+          <p:cNvPr id="2" name="TextBox 1"/>
+          <p:cNvSpPr txBox="1"/>
+          <p:nvPr/>
+        </p:nvSpPr>
+        <p:spPr>
+          <a:xfrm>
+            <a:off x="2672861" y="365761"/>
+            <a:ext cx="9158068" cy="769441"/>
+          </a:xfrm>
+          <a:prstGeom prst="rect">
+            <a:avLst/>
+          </a:prstGeom>
+          <a:noFill/>
+        </p:spPr>
+        <p:txBody>
+          <a:bodyPr wrap="square" rtlCol="0">
+            <a:spAutoFit/>
+          </a:bodyPr>
+          <a:lstStyle/>
+          <a:p>
+            <a:r>
+              <a:rPr lang="en-US" sz="4400" b="1" dirty="0"/>
+              <a:t>Hardy Weinberg equilibrium</a:t>
+            </a:r>
+          </a:p>
+        </p:txBody>
+      </p:sp>
+      <p:sp>
+        <p:nvSpPr>
+          <p:cNvPr id="3" name="Rectangle 2">
+            <a:extLst>
+              <a:ext uri="{FF2B5EF4-FFF2-40B4-BE49-F238E27FC236}">
+                <a16:creationId xmlns:a16="http://schemas.microsoft.com/office/drawing/2014/main" id="{EA140D3C-1E19-4BBD-AB31-3B7E38C61459}"/>
+              </a:ext>
+            </a:extLst>
+          </p:cNvPr>
+          <p:cNvSpPr/>
+          <p:nvPr/>
+        </p:nvSpPr>
+        <p:spPr>
+          <a:xfrm>
+            <a:off x="908692" y="2269973"/>
+            <a:ext cx="10713317" cy="646331"/>
+          </a:xfrm>
+          <a:prstGeom prst="rect">
+            <a:avLst/>
+          </a:prstGeom>
+        </p:spPr>
+        <p:txBody>
+          <a:bodyPr wrap="none">
+            <a:spAutoFit/>
+          </a:bodyPr>
+          <a:lstStyle/>
+          <a:p>
+            <a:r>
+              <a:rPr lang="en-US" sz="3600" dirty="0">
+                <a:hlinkClick r:id="rId2"/>
+              </a:rPr>
+              <a:t>https://shankarkshakya.github.io/geppopgen/HWE.html</a:t>
+            </a:r>
+            <a:endParaRPr lang="en-US" sz="3600" dirty="0"/>
+          </a:p>
+        </p:txBody>
+      </p:sp>
     </p:spTree>
     <p:extLst>
       <p:ext uri="{BB962C8B-B14F-4D97-AF65-F5344CB8AC3E}">
-        <p14:creationId xmlns:p14="http://schemas.microsoft.com/office/powerpoint/2010/main" val="2740916906"/>
+        <p14:creationId xmlns:p14="http://schemas.microsoft.com/office/powerpoint/2010/main" val="140204590"/>
       </p:ext>
     </p:extLst>
   </p:cSld>
@@ -3538,6 +3959,733 @@
 </file>
 
 <file path=ppt/slides/slide15.xml><?xml version="1.0" encoding="utf-8"?>
+<p:sld xmlns:a="http://schemas.openxmlformats.org/drawingml/2006/main" xmlns:r="http://schemas.openxmlformats.org/officeDocument/2006/relationships" xmlns:p="http://schemas.openxmlformats.org/presentationml/2006/main">
+  <p:cSld>
+    <p:spTree>
+      <p:nvGrpSpPr>
+        <p:cNvPr id="1" name=""/>
+        <p:cNvGrpSpPr/>
+        <p:nvPr/>
+      </p:nvGrpSpPr>
+      <p:grpSpPr>
+        <a:xfrm>
+          <a:off x="0" y="0"/>
+          <a:ext cx="0" cy="0"/>
+          <a:chOff x="0" y="0"/>
+          <a:chExt cx="0" cy="0"/>
+        </a:xfrm>
+      </p:grpSpPr>
+      <p:sp>
+        <p:nvSpPr>
+          <p:cNvPr id="2" name="TextBox 1">
+            <a:extLst>
+              <a:ext uri="{FF2B5EF4-FFF2-40B4-BE49-F238E27FC236}">
+                <a16:creationId xmlns:a16="http://schemas.microsoft.com/office/drawing/2014/main" id="{3E6E1C18-24CF-4C63-9BCF-883C6973141A}"/>
+              </a:ext>
+            </a:extLst>
+          </p:cNvPr>
+          <p:cNvSpPr txBox="1"/>
+          <p:nvPr/>
+        </p:nvSpPr>
+        <p:spPr>
+          <a:xfrm>
+            <a:off x="3072983" y="2321004"/>
+            <a:ext cx="6940446" cy="1107996"/>
+          </a:xfrm>
+          <a:prstGeom prst="rect">
+            <a:avLst/>
+          </a:prstGeom>
+          <a:noFill/>
+        </p:spPr>
+        <p:txBody>
+          <a:bodyPr wrap="square" rtlCol="0">
+            <a:spAutoFit/>
+          </a:bodyPr>
+          <a:lstStyle/>
+          <a:p>
+            <a:r>
+              <a:rPr lang="en-US" sz="6600" b="1" dirty="0"/>
+              <a:t>Break 15 minutes</a:t>
+            </a:r>
+          </a:p>
+        </p:txBody>
+      </p:sp>
+    </p:spTree>
+    <p:extLst>
+      <p:ext uri="{BB962C8B-B14F-4D97-AF65-F5344CB8AC3E}">
+        <p14:creationId xmlns:p14="http://schemas.microsoft.com/office/powerpoint/2010/main" val="3851646593"/>
+      </p:ext>
+    </p:extLst>
+  </p:cSld>
+  <p:clrMapOvr>
+    <a:masterClrMapping/>
+  </p:clrMapOvr>
+</p:sld>
+</file>
+
+<file path=ppt/slides/slide16.xml><?xml version="1.0" encoding="utf-8"?>
+<p:sld xmlns:a="http://schemas.openxmlformats.org/drawingml/2006/main" xmlns:r="http://schemas.openxmlformats.org/officeDocument/2006/relationships" xmlns:p="http://schemas.openxmlformats.org/presentationml/2006/main">
+  <p:cSld>
+    <p:spTree>
+      <p:nvGrpSpPr>
+        <p:cNvPr id="1" name=""/>
+        <p:cNvGrpSpPr/>
+        <p:nvPr/>
+      </p:nvGrpSpPr>
+      <p:grpSpPr>
+        <a:xfrm>
+          <a:off x="0" y="0"/>
+          <a:ext cx="0" cy="0"/>
+          <a:chOff x="0" y="0"/>
+          <a:chExt cx="0" cy="0"/>
+        </a:xfrm>
+      </p:grpSpPr>
+      <p:sp>
+        <p:nvSpPr>
+          <p:cNvPr id="2" name="TextBox 1">
+            <a:extLst>
+              <a:ext uri="{FF2B5EF4-FFF2-40B4-BE49-F238E27FC236}">
+                <a16:creationId xmlns:a16="http://schemas.microsoft.com/office/drawing/2014/main" id="{185AD711-60A4-40D1-BE76-30DFCBD55419}"/>
+              </a:ext>
+            </a:extLst>
+          </p:cNvPr>
+          <p:cNvSpPr txBox="1"/>
+          <p:nvPr/>
+        </p:nvSpPr>
+        <p:spPr>
+          <a:xfrm>
+            <a:off x="2695966" y="284813"/>
+            <a:ext cx="6800067" cy="769441"/>
+          </a:xfrm>
+          <a:prstGeom prst="rect">
+            <a:avLst/>
+          </a:prstGeom>
+          <a:noFill/>
+        </p:spPr>
+        <p:txBody>
+          <a:bodyPr wrap="none" rtlCol="0">
+            <a:spAutoFit/>
+          </a:bodyPr>
+          <a:lstStyle/>
+          <a:p>
+            <a:r>
+              <a:rPr lang="en-US" sz="4400" b="1" dirty="0"/>
+              <a:t>Population structure and </a:t>
+            </a:r>
+            <a:r>
+              <a:rPr lang="en-US" sz="4400" b="1" dirty="0" err="1"/>
+              <a:t>Fst</a:t>
+            </a:r>
+            <a:endParaRPr lang="en-US" sz="4400" b="1" dirty="0"/>
+          </a:p>
+        </p:txBody>
+      </p:sp>
+      <p:sp>
+        <p:nvSpPr>
+          <p:cNvPr id="3" name="TextBox 2">
+            <a:extLst>
+              <a:ext uri="{FF2B5EF4-FFF2-40B4-BE49-F238E27FC236}">
+                <a16:creationId xmlns:a16="http://schemas.microsoft.com/office/drawing/2014/main" id="{323C605F-9DCA-495C-8515-40E8485B6373}"/>
+              </a:ext>
+            </a:extLst>
+          </p:cNvPr>
+          <p:cNvSpPr txBox="1"/>
+          <p:nvPr/>
+        </p:nvSpPr>
+        <p:spPr>
+          <a:xfrm>
+            <a:off x="242340" y="1279107"/>
+            <a:ext cx="11707318" cy="4832092"/>
+          </a:xfrm>
+          <a:prstGeom prst="rect">
+            <a:avLst/>
+          </a:prstGeom>
+          <a:noFill/>
+        </p:spPr>
+        <p:txBody>
+          <a:bodyPr wrap="square" rtlCol="0">
+            <a:spAutoFit/>
+          </a:bodyPr>
+          <a:lstStyle/>
+          <a:p>
+            <a:pPr marL="457200" indent="-457200">
+              <a:buFont typeface="Arial" panose="020B0604020202020204" pitchFamily="34" charset="0"/>
+              <a:buChar char="•"/>
+            </a:pPr>
+            <a:r>
+              <a:rPr lang="en-US" sz="2800" dirty="0"/>
+              <a:t>Random mating is rarely observed in nature.  </a:t>
+            </a:r>
+          </a:p>
+          <a:p>
+            <a:pPr marL="457200" indent="-457200">
+              <a:buFont typeface="Arial" panose="020B0604020202020204" pitchFamily="34" charset="0"/>
+              <a:buChar char="•"/>
+            </a:pPr>
+            <a:endParaRPr lang="en-US" sz="2800" dirty="0"/>
+          </a:p>
+          <a:p>
+            <a:pPr marL="457200" indent="-457200">
+              <a:buFont typeface="Arial" panose="020B0604020202020204" pitchFamily="34" charset="0"/>
+              <a:buChar char="•"/>
+            </a:pPr>
+            <a:r>
+              <a:rPr lang="en-US" sz="2800" dirty="0"/>
+              <a:t>Individuals that are close together are likely to mate with each other than distantly located individuals.</a:t>
+            </a:r>
+          </a:p>
+          <a:p>
+            <a:pPr marL="457200" indent="-457200">
+              <a:buFont typeface="Arial" panose="020B0604020202020204" pitchFamily="34" charset="0"/>
+              <a:buChar char="•"/>
+            </a:pPr>
+            <a:endParaRPr lang="en-US" sz="2800" dirty="0"/>
+          </a:p>
+          <a:p>
+            <a:pPr marL="457200" indent="-457200">
+              <a:buFont typeface="Arial" panose="020B0604020202020204" pitchFamily="34" charset="0"/>
+              <a:buChar char="•"/>
+            </a:pPr>
+            <a:r>
+              <a:rPr lang="en-US" sz="2800" dirty="0"/>
+              <a:t>Because of this non random mating, we </a:t>
+            </a:r>
+            <a:r>
+              <a:rPr lang="en-US" sz="2800" dirty="0" err="1"/>
+              <a:t>ll</a:t>
+            </a:r>
+            <a:r>
+              <a:rPr lang="en-US" sz="2800" dirty="0"/>
+              <a:t> see population subdivision or also known as population structure. </a:t>
+            </a:r>
+          </a:p>
+          <a:p>
+            <a:pPr marL="457200" indent="-457200">
+              <a:buFont typeface="Arial" panose="020B0604020202020204" pitchFamily="34" charset="0"/>
+              <a:buChar char="•"/>
+            </a:pPr>
+            <a:endParaRPr lang="en-US" sz="2800" dirty="0"/>
+          </a:p>
+          <a:p>
+            <a:pPr marL="457200" indent="-457200">
+              <a:buFont typeface="Arial" panose="020B0604020202020204" pitchFamily="34" charset="0"/>
+              <a:buChar char="•"/>
+            </a:pPr>
+            <a:endParaRPr lang="en-US" sz="2800" dirty="0"/>
+          </a:p>
+          <a:p>
+            <a:pPr marL="457200" indent="-457200">
+              <a:buFont typeface="Arial" panose="020B0604020202020204" pitchFamily="34" charset="0"/>
+              <a:buChar char="•"/>
+            </a:pPr>
+            <a:r>
+              <a:rPr lang="en-US" sz="2800" dirty="0"/>
+              <a:t>One of the primary reasons we get population structure is geographic barrier like huge water bodies or high mountains.</a:t>
+            </a:r>
+          </a:p>
+        </p:txBody>
+      </p:sp>
+    </p:spTree>
+    <p:extLst>
+      <p:ext uri="{BB962C8B-B14F-4D97-AF65-F5344CB8AC3E}">
+        <p14:creationId xmlns:p14="http://schemas.microsoft.com/office/powerpoint/2010/main" val="547812675"/>
+      </p:ext>
+    </p:extLst>
+  </p:cSld>
+  <p:clrMapOvr>
+    <a:masterClrMapping/>
+  </p:clrMapOvr>
+</p:sld>
+</file>
+
+<file path=ppt/slides/slide17.xml><?xml version="1.0" encoding="utf-8"?>
+<p:sld xmlns:a="http://schemas.openxmlformats.org/drawingml/2006/main" xmlns:r="http://schemas.openxmlformats.org/officeDocument/2006/relationships" xmlns:p="http://schemas.openxmlformats.org/presentationml/2006/main">
+  <p:cSld>
+    <p:spTree>
+      <p:nvGrpSpPr>
+        <p:cNvPr id="1" name=""/>
+        <p:cNvGrpSpPr/>
+        <p:nvPr/>
+      </p:nvGrpSpPr>
+      <p:grpSpPr>
+        <a:xfrm>
+          <a:off x="0" y="0"/>
+          <a:ext cx="0" cy="0"/>
+          <a:chOff x="0" y="0"/>
+          <a:chExt cx="0" cy="0"/>
+        </a:xfrm>
+      </p:grpSpPr>
+      <p:pic>
+        <p:nvPicPr>
+          <p:cNvPr id="2" name="Picture 1">
+            <a:extLst>
+              <a:ext uri="{FF2B5EF4-FFF2-40B4-BE49-F238E27FC236}">
+                <a16:creationId xmlns:a16="http://schemas.microsoft.com/office/drawing/2014/main" id="{7E022238-C65F-404B-A59C-93DC83A6C756}"/>
+              </a:ext>
+            </a:extLst>
+          </p:cNvPr>
+          <p:cNvPicPr>
+            <a:picLocks noChangeAspect="1"/>
+          </p:cNvPicPr>
+          <p:nvPr/>
+        </p:nvPicPr>
+        <p:blipFill>
+          <a:blip r:embed="rId2"/>
+          <a:stretch>
+            <a:fillRect/>
+          </a:stretch>
+        </p:blipFill>
+        <p:spPr>
+          <a:xfrm>
+            <a:off x="-449705" y="0"/>
+            <a:ext cx="8934138" cy="6794225"/>
+          </a:xfrm>
+          <a:prstGeom prst="rect">
+            <a:avLst/>
+          </a:prstGeom>
+        </p:spPr>
+      </p:pic>
+    </p:spTree>
+    <p:extLst>
+      <p:ext uri="{BB962C8B-B14F-4D97-AF65-F5344CB8AC3E}">
+        <p14:creationId xmlns:p14="http://schemas.microsoft.com/office/powerpoint/2010/main" val="996070423"/>
+      </p:ext>
+    </p:extLst>
+  </p:cSld>
+  <p:clrMapOvr>
+    <a:masterClrMapping/>
+  </p:clrMapOvr>
+</p:sld>
+</file>
+
+<file path=ppt/slides/slide18.xml><?xml version="1.0" encoding="utf-8"?>
+<p:sld xmlns:a="http://schemas.openxmlformats.org/drawingml/2006/main" xmlns:r="http://schemas.openxmlformats.org/officeDocument/2006/relationships" xmlns:p="http://schemas.openxmlformats.org/presentationml/2006/main">
+  <p:cSld>
+    <p:spTree>
+      <p:nvGrpSpPr>
+        <p:cNvPr id="1" name=""/>
+        <p:cNvGrpSpPr/>
+        <p:nvPr/>
+      </p:nvGrpSpPr>
+      <p:grpSpPr>
+        <a:xfrm>
+          <a:off x="0" y="0"/>
+          <a:ext cx="0" cy="0"/>
+          <a:chOff x="0" y="0"/>
+          <a:chExt cx="0" cy="0"/>
+        </a:xfrm>
+      </p:grpSpPr>
+      <p:sp>
+        <p:nvSpPr>
+          <p:cNvPr id="2" name="Rectangle 1">
+            <a:extLst>
+              <a:ext uri="{FF2B5EF4-FFF2-40B4-BE49-F238E27FC236}">
+                <a16:creationId xmlns:a16="http://schemas.microsoft.com/office/drawing/2014/main" id="{2214F41F-08E3-429F-8ED0-C467B5000426}"/>
+              </a:ext>
+            </a:extLst>
+          </p:cNvPr>
+          <p:cNvSpPr/>
+          <p:nvPr/>
+        </p:nvSpPr>
+        <p:spPr>
+          <a:xfrm>
+            <a:off x="587114" y="323246"/>
+            <a:ext cx="11345056" cy="6001643"/>
+          </a:xfrm>
+          <a:prstGeom prst="rect">
+            <a:avLst/>
+          </a:prstGeom>
+        </p:spPr>
+        <p:txBody>
+          <a:bodyPr wrap="square">
+            <a:spAutoFit/>
+          </a:bodyPr>
+          <a:lstStyle/>
+          <a:p>
+            <a:r>
+              <a:rPr lang="en-US" sz="3200" b="1" dirty="0">
+                <a:latin typeface="Helvetica Neue"/>
+              </a:rPr>
+              <a:t>For two populations given below, calculate </a:t>
+            </a:r>
+            <a:r>
+              <a:rPr lang="en-US" sz="3200" b="1" dirty="0" err="1">
+                <a:latin typeface="Helvetica Neue"/>
+              </a:rPr>
+              <a:t>Fst</a:t>
+            </a:r>
+            <a:r>
+              <a:rPr lang="en-US" sz="3200" b="1" dirty="0">
+                <a:latin typeface="Helvetica Neue"/>
+              </a:rPr>
+              <a:t>.</a:t>
+            </a:r>
+          </a:p>
+          <a:p>
+            <a:endParaRPr lang="en-US" sz="3200" b="1" dirty="0">
+              <a:latin typeface="Helvetica Neue"/>
+            </a:endParaRPr>
+          </a:p>
+          <a:p>
+            <a:r>
+              <a:rPr lang="en-US" sz="3200" dirty="0">
+                <a:latin typeface="Helvetica Neue"/>
+              </a:rPr>
+              <a:t>Population 1: AA = 20, Aa = 20, aa = 20 </a:t>
+            </a:r>
+          </a:p>
+          <a:p>
+            <a:endParaRPr lang="en-US" sz="3200" dirty="0">
+              <a:latin typeface="Helvetica Neue"/>
+            </a:endParaRPr>
+          </a:p>
+          <a:p>
+            <a:r>
+              <a:rPr lang="en-US" sz="3200" dirty="0">
+                <a:latin typeface="Helvetica Neue"/>
+              </a:rPr>
+              <a:t>Population 2: AA = 15, Aa = 15, aa = 30</a:t>
+            </a:r>
+          </a:p>
+          <a:p>
+            <a:endParaRPr lang="en-US" sz="3200" dirty="0">
+              <a:latin typeface="Helvetica Neue"/>
+            </a:endParaRPr>
+          </a:p>
+          <a:p>
+            <a:r>
+              <a:rPr lang="en-US" sz="3200" dirty="0" err="1"/>
+              <a:t>Fst</a:t>
+            </a:r>
+            <a:r>
+              <a:rPr lang="en-US" sz="3200" dirty="0"/>
+              <a:t> = </a:t>
+            </a:r>
+            <a:r>
+              <a:rPr lang="en-US" sz="3200" dirty="0" err="1"/>
+              <a:t>Ht</a:t>
+            </a:r>
+            <a:r>
+              <a:rPr lang="en-US" sz="3200" dirty="0"/>
+              <a:t> - Hs / </a:t>
+            </a:r>
+            <a:r>
+              <a:rPr lang="en-US" sz="3200" dirty="0" err="1"/>
+              <a:t>Ht</a:t>
+            </a:r>
+            <a:endParaRPr lang="en-US" sz="3200" dirty="0"/>
+          </a:p>
+          <a:p>
+            <a:endParaRPr lang="en-US" sz="3200" dirty="0"/>
+          </a:p>
+          <a:p>
+            <a:r>
+              <a:rPr lang="en-US" sz="3200" dirty="0"/>
+              <a:t>Hs = heterozygosity in subdivided population </a:t>
+            </a:r>
+          </a:p>
+          <a:p>
+            <a:r>
+              <a:rPr lang="en-US" sz="3200" dirty="0" err="1"/>
+              <a:t>Ht</a:t>
+            </a:r>
+            <a:r>
+              <a:rPr lang="en-US" sz="3200" dirty="0"/>
+              <a:t> = Expected heterozygosity if the pooled populations is in HWE</a:t>
+            </a:r>
+          </a:p>
+          <a:p>
+            <a:endParaRPr lang="en-US" sz="3200" dirty="0">
+              <a:latin typeface="Helvetica Neue"/>
+            </a:endParaRPr>
+          </a:p>
+          <a:p>
+            <a:r>
+              <a:rPr lang="en-US" sz="3200" b="1" dirty="0">
+                <a:latin typeface="Helvetica Neue"/>
+              </a:rPr>
+              <a:t>Ans: 0.016</a:t>
+            </a:r>
+            <a:endParaRPr lang="en-US" sz="3200" b="1" i="0" dirty="0">
+              <a:effectLst/>
+              <a:latin typeface="Helvetica Neue"/>
+            </a:endParaRPr>
+          </a:p>
+        </p:txBody>
+      </p:sp>
+    </p:spTree>
+    <p:extLst>
+      <p:ext uri="{BB962C8B-B14F-4D97-AF65-F5344CB8AC3E}">
+        <p14:creationId xmlns:p14="http://schemas.microsoft.com/office/powerpoint/2010/main" val="4065403483"/>
+      </p:ext>
+    </p:extLst>
+  </p:cSld>
+  <p:clrMapOvr>
+    <a:masterClrMapping/>
+  </p:clrMapOvr>
+</p:sld>
+</file>
+
+<file path=ppt/slides/slide19.xml><?xml version="1.0" encoding="utf-8"?>
+<p:sld xmlns:a="http://schemas.openxmlformats.org/drawingml/2006/main" xmlns:r="http://schemas.openxmlformats.org/officeDocument/2006/relationships" xmlns:p="http://schemas.openxmlformats.org/presentationml/2006/main">
+  <p:cSld>
+    <p:spTree>
+      <p:nvGrpSpPr>
+        <p:cNvPr id="1" name=""/>
+        <p:cNvGrpSpPr/>
+        <p:nvPr/>
+      </p:nvGrpSpPr>
+      <p:grpSpPr>
+        <a:xfrm>
+          <a:off x="0" y="0"/>
+          <a:ext cx="0" cy="0"/>
+          <a:chOff x="0" y="0"/>
+          <a:chExt cx="0" cy="0"/>
+        </a:xfrm>
+      </p:grpSpPr>
+    </p:spTree>
+    <p:extLst>
+      <p:ext uri="{BB962C8B-B14F-4D97-AF65-F5344CB8AC3E}">
+        <p14:creationId xmlns:p14="http://schemas.microsoft.com/office/powerpoint/2010/main" val="1598629128"/>
+      </p:ext>
+    </p:extLst>
+  </p:cSld>
+  <p:clrMapOvr>
+    <a:masterClrMapping/>
+  </p:clrMapOvr>
+</p:sld>
+</file>
+
+<file path=ppt/slides/slide2.xml><?xml version="1.0" encoding="utf-8"?>
+<p:sld xmlns:a="http://schemas.openxmlformats.org/drawingml/2006/main" xmlns:r="http://schemas.openxmlformats.org/officeDocument/2006/relationships" xmlns:p="http://schemas.openxmlformats.org/presentationml/2006/main">
+  <p:cSld>
+    <p:spTree>
+      <p:nvGrpSpPr>
+        <p:cNvPr id="1" name=""/>
+        <p:cNvGrpSpPr/>
+        <p:nvPr/>
+      </p:nvGrpSpPr>
+      <p:grpSpPr>
+        <a:xfrm>
+          <a:off x="0" y="0"/>
+          <a:ext cx="0" cy="0"/>
+          <a:chOff x="0" y="0"/>
+          <a:chExt cx="0" cy="0"/>
+        </a:xfrm>
+      </p:grpSpPr>
+      <p:grpSp>
+        <p:nvGrpSpPr>
+          <p:cNvPr id="5" name="Group 4"/>
+          <p:cNvGrpSpPr/>
+          <p:nvPr/>
+        </p:nvGrpSpPr>
+        <p:grpSpPr>
+          <a:xfrm>
+            <a:off x="884420" y="178766"/>
+            <a:ext cx="10506945" cy="6557258"/>
+            <a:chOff x="884420" y="178766"/>
+            <a:chExt cx="10506945" cy="6557258"/>
+          </a:xfrm>
+        </p:grpSpPr>
+        <p:grpSp>
+          <p:nvGrpSpPr>
+            <p:cNvPr id="6" name="Group 5"/>
+            <p:cNvGrpSpPr/>
+            <p:nvPr/>
+          </p:nvGrpSpPr>
+          <p:grpSpPr>
+            <a:xfrm>
+              <a:off x="1004341" y="1379095"/>
+              <a:ext cx="10387024" cy="5356929"/>
+              <a:chOff x="367722" y="321733"/>
+              <a:chExt cx="11728181" cy="6279088"/>
+            </a:xfrm>
+          </p:grpSpPr>
+          <p:pic>
+            <p:nvPicPr>
+              <p:cNvPr id="3" name="Picture 2">
+                <a:extLst>
+                  <a:ext uri="{FF2B5EF4-FFF2-40B4-BE49-F238E27FC236}">
+                    <a16:creationId xmlns:a16="http://schemas.microsoft.com/office/drawing/2014/main" id="{95439A2E-9871-4D44-AE36-350C7CF5A387}"/>
+                  </a:ext>
+                </a:extLst>
+              </p:cNvPr>
+              <p:cNvPicPr>
+                <a:picLocks noChangeAspect="1"/>
+              </p:cNvPicPr>
+              <p:nvPr/>
+            </p:nvPicPr>
+            <p:blipFill rotWithShape="1">
+              <a:blip r:embed="rId2" cstate="print">
+                <a:extLst>
+                  <a:ext uri="{28A0092B-C50C-407E-A947-70E740481C1C}">
+                    <a14:useLocalDpi xmlns:a14="http://schemas.microsoft.com/office/drawing/2010/main" val="0"/>
+                  </a:ext>
+                </a:extLst>
+              </a:blip>
+              <a:srcRect l="24587" r="1" b="1"/>
+              <a:stretch/>
+            </p:blipFill>
+            <p:spPr>
+              <a:xfrm>
+                <a:off x="9011878" y="321733"/>
+                <a:ext cx="3084025" cy="3060193"/>
+              </a:xfrm>
+              <a:prstGeom prst="rect">
+                <a:avLst/>
+              </a:prstGeom>
+            </p:spPr>
+          </p:pic>
+          <p:pic>
+            <p:nvPicPr>
+              <p:cNvPr id="7" name="Picture 6">
+                <a:extLst>
+                  <a:ext uri="{FF2B5EF4-FFF2-40B4-BE49-F238E27FC236}">
+                    <a16:creationId xmlns:a16="http://schemas.microsoft.com/office/drawing/2014/main" id="{D3E30687-85AB-4F22-8703-4B3AF37F320E}"/>
+                  </a:ext>
+                </a:extLst>
+              </p:cNvPr>
+              <p:cNvPicPr>
+                <a:picLocks noChangeAspect="1"/>
+              </p:cNvPicPr>
+              <p:nvPr/>
+            </p:nvPicPr>
+            <p:blipFill rotWithShape="1">
+              <a:blip r:embed="rId3">
+                <a:extLst>
+                  <a:ext uri="{28A0092B-C50C-407E-A947-70E740481C1C}">
+                    <a14:useLocalDpi xmlns:a14="http://schemas.microsoft.com/office/drawing/2010/main" val="0"/>
+                  </a:ext>
+                </a:extLst>
+              </a:blip>
+              <a:srcRect l="1327" r="45231" b="-2"/>
+              <a:stretch/>
+            </p:blipFill>
+            <p:spPr>
+              <a:xfrm>
+                <a:off x="367722" y="321733"/>
+                <a:ext cx="4151376" cy="6200414"/>
+              </a:xfrm>
+              <a:prstGeom prst="rect">
+                <a:avLst/>
+              </a:prstGeom>
+            </p:spPr>
+          </p:pic>
+          <p:pic>
+            <p:nvPicPr>
+              <p:cNvPr id="9" name="Picture 8">
+                <a:extLst>
+                  <a:ext uri="{FF2B5EF4-FFF2-40B4-BE49-F238E27FC236}">
+                    <a16:creationId xmlns:a16="http://schemas.microsoft.com/office/drawing/2014/main" id="{778AFAD5-CC90-433D-8E01-6569FC45A9DF}"/>
+                  </a:ext>
+                </a:extLst>
+              </p:cNvPr>
+              <p:cNvPicPr>
+                <a:picLocks noChangeAspect="1"/>
+              </p:cNvPicPr>
+              <p:nvPr/>
+            </p:nvPicPr>
+            <p:blipFill rotWithShape="1">
+              <a:blip r:embed="rId4">
+                <a:extLst>
+                  <a:ext uri="{28A0092B-C50C-407E-A947-70E740481C1C}">
+                    <a14:useLocalDpi xmlns:a14="http://schemas.microsoft.com/office/drawing/2010/main" val="0"/>
+                  </a:ext>
+                </a:extLst>
+              </a:blip>
+              <a:srcRect l="10776" r="154" b="-2"/>
+              <a:stretch/>
+            </p:blipFill>
+            <p:spPr>
+              <a:xfrm>
+                <a:off x="4689800" y="321733"/>
+                <a:ext cx="4151376" cy="6200414"/>
+              </a:xfrm>
+              <a:prstGeom prst="rect">
+                <a:avLst/>
+              </a:prstGeom>
+            </p:spPr>
+          </p:pic>
+          <p:pic>
+            <p:nvPicPr>
+              <p:cNvPr id="4" name="Picture 3"/>
+              <p:cNvPicPr>
+                <a:picLocks noChangeAspect="1"/>
+              </p:cNvPicPr>
+              <p:nvPr/>
+            </p:nvPicPr>
+            <p:blipFill>
+              <a:blip r:embed="rId5">
+                <a:extLst>
+                  <a:ext uri="{28A0092B-C50C-407E-A947-70E740481C1C}">
+                    <a14:useLocalDpi xmlns:a14="http://schemas.microsoft.com/office/drawing/2010/main" val="0"/>
+                  </a:ext>
+                </a:extLst>
+              </a:blip>
+              <a:stretch>
+                <a:fillRect/>
+              </a:stretch>
+            </p:blipFill>
+            <p:spPr>
+              <a:xfrm>
+                <a:off x="9011327" y="3534533"/>
+                <a:ext cx="3084576" cy="3066288"/>
+              </a:xfrm>
+              <a:prstGeom prst="rect">
+                <a:avLst/>
+              </a:prstGeom>
+            </p:spPr>
+          </p:pic>
+        </p:grpSp>
+        <p:sp>
+          <p:nvSpPr>
+            <p:cNvPr id="2" name="Rectangle 1"/>
+            <p:cNvSpPr/>
+            <p:nvPr/>
+          </p:nvSpPr>
+          <p:spPr>
+            <a:xfrm>
+              <a:off x="884420" y="178766"/>
+              <a:ext cx="9383843" cy="1200329"/>
+            </a:xfrm>
+            <a:prstGeom prst="rect">
+              <a:avLst/>
+            </a:prstGeom>
+          </p:spPr>
+          <p:txBody>
+            <a:bodyPr wrap="square">
+              <a:spAutoFit/>
+            </a:bodyPr>
+            <a:lstStyle/>
+            <a:p>
+              <a:r>
+                <a:rPr lang="en-US" sz="3600" b="1" dirty="0"/>
+                <a:t>B.S. Plant Pathology</a:t>
+              </a:r>
+            </a:p>
+            <a:p>
+              <a:r>
+                <a:rPr lang="en-US" sz="3600" b="1" dirty="0"/>
+                <a:t>Tribhuwan University, Nepal (2006-2010)</a:t>
+              </a:r>
+            </a:p>
+          </p:txBody>
+        </p:sp>
+      </p:grpSp>
+    </p:spTree>
+    <p:extLst>
+      <p:ext uri="{BB962C8B-B14F-4D97-AF65-F5344CB8AC3E}">
+        <p14:creationId xmlns:p14="http://schemas.microsoft.com/office/powerpoint/2010/main" val="3271005168"/>
+      </p:ext>
+    </p:extLst>
+  </p:cSld>
+  <p:clrMapOvr>
+    <a:masterClrMapping/>
+  </p:clrMapOvr>
+</p:sld>
+</file>
+
+<file path=ppt/slides/slide20.xml><?xml version="1.0" encoding="utf-8"?>
 <p:sld xmlns:a="http://schemas.openxmlformats.org/drawingml/2006/main" xmlns:r="http://schemas.openxmlformats.org/officeDocument/2006/relationships" xmlns:p="http://schemas.openxmlformats.org/presentationml/2006/main">
   <p:cSld>
     <p:spTree>
@@ -3748,17 +4896,10 @@
   <p:clrMapOvr>
     <a:masterClrMapping/>
   </p:clrMapOvr>
-  <p:timing>
-    <p:tnLst>
-      <p:par>
-        <p:cTn id="1" dur="indefinite" restart="never" nodeType="tmRoot"/>
-      </p:par>
-    </p:tnLst>
-  </p:timing>
 </p:sld>
 </file>
 
-<file path=ppt/slides/slide16.xml><?xml version="1.0" encoding="utf-8"?>
+<file path=ppt/slides/slide21.xml><?xml version="1.0" encoding="utf-8"?>
 <p:sld xmlns:a="http://schemas.openxmlformats.org/drawingml/2006/main" xmlns:r="http://schemas.openxmlformats.org/officeDocument/2006/relationships" xmlns:p="http://schemas.openxmlformats.org/presentationml/2006/main">
   <p:cSld>
     <p:spTree>
@@ -3971,17 +5112,10 @@
   <p:clrMapOvr>
     <a:masterClrMapping/>
   </p:clrMapOvr>
-  <p:timing>
-    <p:tnLst>
-      <p:par>
-        <p:cTn id="1" dur="indefinite" restart="never" nodeType="tmRoot"/>
-      </p:par>
-    </p:tnLst>
-  </p:timing>
 </p:sld>
 </file>
 
-<file path=ppt/slides/slide17.xml><?xml version="1.0" encoding="utf-8"?>
+<file path=ppt/slides/slide22.xml><?xml version="1.0" encoding="utf-8"?>
 <p:sld xmlns:a="http://schemas.openxmlformats.org/drawingml/2006/main" xmlns:r="http://schemas.openxmlformats.org/officeDocument/2006/relationships" xmlns:p="http://schemas.openxmlformats.org/presentationml/2006/main">
   <p:cSld>
     <p:spTree>
@@ -4003,7 +5137,7 @@
           <p:cNvPr id="2" name="TextBox 1">
             <a:extLst>
               <a:ext uri="{FF2B5EF4-FFF2-40B4-BE49-F238E27FC236}">
-                <a16:creationId xmlns="" xmlns:a16="http://schemas.microsoft.com/office/drawing/2014/main" id="{3C16CB84-6C26-4387-A1F5-C6A307A132E2}"/>
+                <a16:creationId xmlns:a16="http://schemas.microsoft.com/office/drawing/2014/main" id="{3C16CB84-6C26-4387-A1F5-C6A307A132E2}"/>
               </a:ext>
             </a:extLst>
           </p:cNvPr>
@@ -4039,7 +5173,7 @@
           <p:cNvPr id="3" name="TextBox 2">
             <a:extLst>
               <a:ext uri="{FF2B5EF4-FFF2-40B4-BE49-F238E27FC236}">
-                <a16:creationId xmlns="" xmlns:a16="http://schemas.microsoft.com/office/drawing/2014/main" id="{B4DD5E1F-EF4D-4C18-9803-53FDE4C63967}"/>
+                <a16:creationId xmlns:a16="http://schemas.microsoft.com/office/drawing/2014/main" id="{B4DD5E1F-EF4D-4C18-9803-53FDE4C63967}"/>
               </a:ext>
             </a:extLst>
           </p:cNvPr>
@@ -4049,7 +5183,7 @@
         <p:spPr>
           <a:xfrm>
             <a:off x="449513" y="1247954"/>
-            <a:ext cx="11742487" cy="5262979"/>
+            <a:ext cx="11742487" cy="4401205"/>
           </a:xfrm>
           <a:prstGeom prst="rect">
             <a:avLst/>
@@ -4108,26 +5242,6 @@
             </a:r>
           </a:p>
           <a:p>
-            <a:pPr marL="457200" indent="-457200">
-              <a:buFont typeface="Arial" panose="020B0604020202020204" pitchFamily="34" charset="0"/>
-              <a:buChar char="•"/>
-            </a:pPr>
-            <a:r>
-              <a:rPr lang="en-US" sz="2800" dirty="0"/>
-              <a:t>Codominant transmission (heterozygotes distinguished </a:t>
-            </a:r>
-          </a:p>
-          <a:p>
-            <a:r>
-              <a:rPr lang="en-US" sz="2800" dirty="0"/>
-              <a:t>     from homozygotes).</a:t>
-            </a:r>
-          </a:p>
-          <a:p>
-            <a:pPr marL="457200" indent="-457200">
-              <a:buFont typeface="Arial" panose="020B0604020202020204" pitchFamily="34" charset="0"/>
-              <a:buChar char="•"/>
-            </a:pPr>
             <a:r>
               <a:rPr lang="en-US" sz="2800" dirty="0"/>
               <a:t>Highly polymorphic and easily genotyped.</a:t>
@@ -4152,249 +5266,6 @@
   <p:clrMapOvr>
     <a:masterClrMapping/>
   </p:clrMapOvr>
-  <p:timing>
-    <p:tnLst>
-      <p:par>
-        <p:cTn id="1" dur="indefinite" restart="never" nodeType="tmRoot"/>
-      </p:par>
-    </p:tnLst>
-  </p:timing>
-</p:sld>
-</file>
-
-<file path=ppt/slides/slide2.xml><?xml version="1.0" encoding="utf-8"?>
-<p:sld xmlns:a="http://schemas.openxmlformats.org/drawingml/2006/main" xmlns:r="http://schemas.openxmlformats.org/officeDocument/2006/relationships" xmlns:p="http://schemas.openxmlformats.org/presentationml/2006/main">
-  <p:cSld>
-    <p:spTree>
-      <p:nvGrpSpPr>
-        <p:cNvPr id="1" name=""/>
-        <p:cNvGrpSpPr/>
-        <p:nvPr/>
-      </p:nvGrpSpPr>
-      <p:grpSpPr>
-        <a:xfrm>
-          <a:off x="0" y="0"/>
-          <a:ext cx="0" cy="0"/>
-          <a:chOff x="0" y="0"/>
-          <a:chExt cx="0" cy="0"/>
-        </a:xfrm>
-      </p:grpSpPr>
-      <p:grpSp>
-        <p:nvGrpSpPr>
-          <p:cNvPr id="5" name="Group 4"/>
-          <p:cNvGrpSpPr/>
-          <p:nvPr/>
-        </p:nvGrpSpPr>
-        <p:grpSpPr>
-          <a:xfrm>
-            <a:off x="884420" y="178766"/>
-            <a:ext cx="10506945" cy="6557258"/>
-            <a:chOff x="884420" y="178766"/>
-            <a:chExt cx="10506945" cy="6557258"/>
-          </a:xfrm>
-        </p:grpSpPr>
-        <p:grpSp>
-          <p:nvGrpSpPr>
-            <p:cNvPr id="6" name="Group 5"/>
-            <p:cNvGrpSpPr/>
-            <p:nvPr/>
-          </p:nvGrpSpPr>
-          <p:grpSpPr>
-            <a:xfrm>
-              <a:off x="1004341" y="1379095"/>
-              <a:ext cx="10387024" cy="5356929"/>
-              <a:chOff x="367722" y="321733"/>
-              <a:chExt cx="11728181" cy="6279088"/>
-            </a:xfrm>
-          </p:grpSpPr>
-          <p:pic>
-            <p:nvPicPr>
-              <p:cNvPr id="3" name="Picture 2">
-                <a:extLst>
-                  <a:ext uri="{FF2B5EF4-FFF2-40B4-BE49-F238E27FC236}">
-                    <a16:creationId xmlns:a16="http://schemas.microsoft.com/office/drawing/2014/main" xmlns="" id="{95439A2E-9871-4D44-AE36-350C7CF5A387}"/>
-                  </a:ext>
-                </a:extLst>
-              </p:cNvPr>
-              <p:cNvPicPr>
-                <a:picLocks noChangeAspect="1"/>
-              </p:cNvPicPr>
-              <p:nvPr/>
-            </p:nvPicPr>
-            <p:blipFill rotWithShape="1">
-              <a:blip r:embed="rId2" cstate="print">
-                <a:extLst>
-                  <a:ext uri="{28A0092B-C50C-407E-A947-70E740481C1C}">
-                    <a14:useLocalDpi xmlns:a14="http://schemas.microsoft.com/office/drawing/2010/main" val="0"/>
-                  </a:ext>
-                </a:extLst>
-              </a:blip>
-              <a:srcRect l="24587" r="1" b="1"/>
-              <a:stretch/>
-            </p:blipFill>
-            <p:spPr>
-              <a:xfrm>
-                <a:off x="9011878" y="321733"/>
-                <a:ext cx="3084025" cy="3060193"/>
-              </a:xfrm>
-              <a:prstGeom prst="rect">
-                <a:avLst/>
-              </a:prstGeom>
-            </p:spPr>
-          </p:pic>
-          <p:pic>
-            <p:nvPicPr>
-              <p:cNvPr id="7" name="Picture 6">
-                <a:extLst>
-                  <a:ext uri="{FF2B5EF4-FFF2-40B4-BE49-F238E27FC236}">
-                    <a16:creationId xmlns:a16="http://schemas.microsoft.com/office/drawing/2014/main" xmlns="" id="{D3E30687-85AB-4F22-8703-4B3AF37F320E}"/>
-                  </a:ext>
-                </a:extLst>
-              </p:cNvPr>
-              <p:cNvPicPr>
-                <a:picLocks noChangeAspect="1"/>
-              </p:cNvPicPr>
-              <p:nvPr/>
-            </p:nvPicPr>
-            <p:blipFill rotWithShape="1">
-              <a:blip r:embed="rId3">
-                <a:extLst>
-                  <a:ext uri="{28A0092B-C50C-407E-A947-70E740481C1C}">
-                    <a14:useLocalDpi xmlns:a14="http://schemas.microsoft.com/office/drawing/2010/main" val="0"/>
-                  </a:ext>
-                </a:extLst>
-              </a:blip>
-              <a:srcRect l="1327" r="45231" b="-2"/>
-              <a:stretch/>
-            </p:blipFill>
-            <p:spPr>
-              <a:xfrm>
-                <a:off x="367722" y="321733"/>
-                <a:ext cx="4151376" cy="6200414"/>
-              </a:xfrm>
-              <a:prstGeom prst="rect">
-                <a:avLst/>
-              </a:prstGeom>
-            </p:spPr>
-          </p:pic>
-          <p:pic>
-            <p:nvPicPr>
-              <p:cNvPr id="9" name="Picture 8">
-                <a:extLst>
-                  <a:ext uri="{FF2B5EF4-FFF2-40B4-BE49-F238E27FC236}">
-                    <a16:creationId xmlns:a16="http://schemas.microsoft.com/office/drawing/2014/main" xmlns="" id="{778AFAD5-CC90-433D-8E01-6569FC45A9DF}"/>
-                  </a:ext>
-                </a:extLst>
-              </p:cNvPr>
-              <p:cNvPicPr>
-                <a:picLocks noChangeAspect="1"/>
-              </p:cNvPicPr>
-              <p:nvPr/>
-            </p:nvPicPr>
-            <p:blipFill rotWithShape="1">
-              <a:blip r:embed="rId4">
-                <a:extLst>
-                  <a:ext uri="{28A0092B-C50C-407E-A947-70E740481C1C}">
-                    <a14:useLocalDpi xmlns:a14="http://schemas.microsoft.com/office/drawing/2010/main" val="0"/>
-                  </a:ext>
-                </a:extLst>
-              </a:blip>
-              <a:srcRect l="10776" r="154" b="-2"/>
-              <a:stretch/>
-            </p:blipFill>
-            <p:spPr>
-              <a:xfrm>
-                <a:off x="4689800" y="321733"/>
-                <a:ext cx="4151376" cy="6200414"/>
-              </a:xfrm>
-              <a:prstGeom prst="rect">
-                <a:avLst/>
-              </a:prstGeom>
-            </p:spPr>
-          </p:pic>
-          <p:pic>
-            <p:nvPicPr>
-              <p:cNvPr id="4" name="Picture 3"/>
-              <p:cNvPicPr>
-                <a:picLocks noChangeAspect="1"/>
-              </p:cNvPicPr>
-              <p:nvPr/>
-            </p:nvPicPr>
-            <p:blipFill>
-              <a:blip r:embed="rId5">
-                <a:extLst>
-                  <a:ext uri="{28A0092B-C50C-407E-A947-70E740481C1C}">
-                    <a14:useLocalDpi xmlns:a14="http://schemas.microsoft.com/office/drawing/2010/main" val="0"/>
-                  </a:ext>
-                </a:extLst>
-              </a:blip>
-              <a:stretch>
-                <a:fillRect/>
-              </a:stretch>
-            </p:blipFill>
-            <p:spPr>
-              <a:xfrm>
-                <a:off x="9011327" y="3534533"/>
-                <a:ext cx="3084576" cy="3066288"/>
-              </a:xfrm>
-              <a:prstGeom prst="rect">
-                <a:avLst/>
-              </a:prstGeom>
-            </p:spPr>
-          </p:pic>
-        </p:grpSp>
-        <p:sp>
-          <p:nvSpPr>
-            <p:cNvPr id="2" name="Rectangle 1"/>
-            <p:cNvSpPr/>
-            <p:nvPr/>
-          </p:nvSpPr>
-          <p:spPr>
-            <a:xfrm>
-              <a:off x="884420" y="178766"/>
-              <a:ext cx="9383843" cy="1200329"/>
-            </a:xfrm>
-            <a:prstGeom prst="rect">
-              <a:avLst/>
-            </a:prstGeom>
-          </p:spPr>
-          <p:txBody>
-            <a:bodyPr wrap="square">
-              <a:spAutoFit/>
-            </a:bodyPr>
-            <a:lstStyle/>
-            <a:p>
-              <a:r>
-                <a:rPr lang="en-US" sz="3600" b="1" dirty="0"/>
-                <a:t>B.S. Plant Pathology</a:t>
-              </a:r>
-            </a:p>
-            <a:p>
-              <a:r>
-                <a:rPr lang="en-US" sz="3600" b="1" dirty="0"/>
-                <a:t>Tribhuwan University, Nepal (2006-2010)</a:t>
-              </a:r>
-            </a:p>
-          </p:txBody>
-        </p:sp>
-      </p:grpSp>
-    </p:spTree>
-    <p:extLst>
-      <p:ext uri="{BB962C8B-B14F-4D97-AF65-F5344CB8AC3E}">
-        <p14:creationId xmlns:p14="http://schemas.microsoft.com/office/powerpoint/2010/main" val="3271005168"/>
-      </p:ext>
-    </p:extLst>
-  </p:cSld>
-  <p:clrMapOvr>
-    <a:masterClrMapping/>
-  </p:clrMapOvr>
-  <p:timing>
-    <p:tnLst>
-      <p:par>
-        <p:cTn id="1" dur="indefinite" restart="never" nodeType="tmRoot"/>
-      </p:par>
-    </p:tnLst>
-  </p:timing>
 </p:sld>
 </file>
 
@@ -4420,10 +5291,10 @@
           <p:cNvPr id="20" name="Rectangle 19">
             <a:extLst>
               <a:ext uri="{FF2B5EF4-FFF2-40B4-BE49-F238E27FC236}">
-                <a16:creationId xmlns:a16="http://schemas.microsoft.com/office/drawing/2014/main" xmlns="" id="{8FA13FFF-F97E-4167-8153-7C308935D010}"/>
+                <a16:creationId xmlns:a16="http://schemas.microsoft.com/office/drawing/2014/main" id="{8FA13FFF-F97E-4167-8153-7C308935D010}"/>
               </a:ext>
               <a:ext uri="{C183D7F6-B498-43B3-948B-1728B52AA6E4}">
-                <adec:decorative xmlns:adec="http://schemas.microsoft.com/office/drawing/2017/decorative" xmlns="" val="1"/>
+                <adec:decorative xmlns:adec="http://schemas.microsoft.com/office/drawing/2017/decorative" val="1"/>
               </a:ext>
             </a:extLst>
           </p:cNvPr>
@@ -4433,7 +5304,7 @@
           <p:nvPr>
             <p:extLst>
               <p:ext uri="{386F3935-93C4-4BCD-93E2-E3B085C9AB24}">
-                <p16:designElem xmlns:p16="http://schemas.microsoft.com/office/powerpoint/2015/main" xmlns="" val="1"/>
+                <p16:designElem xmlns:p16="http://schemas.microsoft.com/office/powerpoint/2015/main" val="1"/>
               </p:ext>
             </p:extLst>
           </p:nvPr>
@@ -4483,10 +5354,10 @@
           <p:cNvPr id="22" name="Rectangle 21">
             <a:extLst>
               <a:ext uri="{FF2B5EF4-FFF2-40B4-BE49-F238E27FC236}">
-                <a16:creationId xmlns:a16="http://schemas.microsoft.com/office/drawing/2014/main" xmlns="" id="{50671462-7D07-4DAC-9A76-F29B833606A8}"/>
+                <a16:creationId xmlns:a16="http://schemas.microsoft.com/office/drawing/2014/main" id="{50671462-7D07-4DAC-9A76-F29B833606A8}"/>
               </a:ext>
               <a:ext uri="{C183D7F6-B498-43B3-948B-1728B52AA6E4}">
-                <adec:decorative xmlns:adec="http://schemas.microsoft.com/office/drawing/2017/decorative" xmlns="" val="1"/>
+                <adec:decorative xmlns:adec="http://schemas.microsoft.com/office/drawing/2017/decorative" val="1"/>
               </a:ext>
             </a:extLst>
           </p:cNvPr>
@@ -4496,7 +5367,7 @@
           <p:nvPr>
             <p:extLst>
               <p:ext uri="{386F3935-93C4-4BCD-93E2-E3B085C9AB24}">
-                <p16:designElem xmlns:p16="http://schemas.microsoft.com/office/powerpoint/2015/main" xmlns="" val="1"/>
+                <p16:designElem xmlns:p16="http://schemas.microsoft.com/office/powerpoint/2015/main" val="1"/>
               </p:ext>
             </p:extLst>
           </p:nvPr>
@@ -4564,7 +5435,7 @@
               <p:cNvPr id="8" name="Picture 7">
                 <a:extLst>
                   <a:ext uri="{FF2B5EF4-FFF2-40B4-BE49-F238E27FC236}">
-                    <a16:creationId xmlns:a16="http://schemas.microsoft.com/office/drawing/2014/main" xmlns="" id="{E079BDDD-7BA6-4A9A-B10A-EFDBF3FD7DAC}"/>
+                    <a16:creationId xmlns:a16="http://schemas.microsoft.com/office/drawing/2014/main" id="{E079BDDD-7BA6-4A9A-B10A-EFDBF3FD7DAC}"/>
                   </a:ext>
                 </a:extLst>
               </p:cNvPr>
@@ -4599,7 +5470,7 @@
               <p:cNvPr id="3" name="Picture 2">
                 <a:extLst>
                   <a:ext uri="{FF2B5EF4-FFF2-40B4-BE49-F238E27FC236}">
-                    <a16:creationId xmlns:a16="http://schemas.microsoft.com/office/drawing/2014/main" xmlns="" id="{E48088C0-D874-4164-9615-784416036854}"/>
+                    <a16:creationId xmlns:a16="http://schemas.microsoft.com/office/drawing/2014/main" id="{E48088C0-D874-4164-9615-784416036854}"/>
                   </a:ext>
                 </a:extLst>
               </p:cNvPr>
@@ -4635,7 +5506,7 @@
             <p:cNvPr id="2" name="TextBox 1">
               <a:extLst>
                 <a:ext uri="{FF2B5EF4-FFF2-40B4-BE49-F238E27FC236}">
-                  <a16:creationId xmlns:a16="http://schemas.microsoft.com/office/drawing/2014/main" xmlns="" id="{1E186C48-7F5C-4FC1-8BE0-CFC4826AB179}"/>
+                  <a16:creationId xmlns:a16="http://schemas.microsoft.com/office/drawing/2014/main" id="{1E186C48-7F5C-4FC1-8BE0-CFC4826AB179}"/>
                 </a:ext>
               </a:extLst>
             </p:cNvPr>
@@ -4706,13 +5577,6 @@
   <p:clrMapOvr>
     <a:masterClrMapping/>
   </p:clrMapOvr>
-  <p:timing>
-    <p:tnLst>
-      <p:par>
-        <p:cTn id="1" dur="indefinite" restart="never" nodeType="tmRoot"/>
-      </p:par>
-    </p:tnLst>
-  </p:timing>
 </p:sld>
 </file>
 
@@ -4738,10 +5602,10 @@
           <p:cNvPr id="13" name="Rectangle 12">
             <a:extLst>
               <a:ext uri="{FF2B5EF4-FFF2-40B4-BE49-F238E27FC236}">
-                <a16:creationId xmlns:a16="http://schemas.microsoft.com/office/drawing/2014/main" xmlns="" id="{799448F2-0E5B-42DA-B2D1-11A14E947BD4}"/>
+                <a16:creationId xmlns:a16="http://schemas.microsoft.com/office/drawing/2014/main" id="{799448F2-0E5B-42DA-B2D1-11A14E947BD4}"/>
               </a:ext>
               <a:ext uri="{C183D7F6-B498-43B3-948B-1728B52AA6E4}">
-                <adec:decorative xmlns:adec="http://schemas.microsoft.com/office/drawing/2017/decorative" xmlns="" val="1"/>
+                <adec:decorative xmlns:adec="http://schemas.microsoft.com/office/drawing/2017/decorative" val="1"/>
               </a:ext>
             </a:extLst>
           </p:cNvPr>
@@ -4751,7 +5615,7 @@
           <p:nvPr>
             <p:extLst>
               <p:ext uri="{386F3935-93C4-4BCD-93E2-E3B085C9AB24}">
-                <p16:designElem xmlns:p16="http://schemas.microsoft.com/office/powerpoint/2015/main" xmlns="" val="1"/>
+                <p16:designElem xmlns:p16="http://schemas.microsoft.com/office/powerpoint/2015/main" val="1"/>
               </p:ext>
             </p:extLst>
           </p:nvPr>
@@ -4804,10 +5668,10 @@
           <p:cNvPr id="15" name="Rectangle 14">
             <a:extLst>
               <a:ext uri="{FF2B5EF4-FFF2-40B4-BE49-F238E27FC236}">
-                <a16:creationId xmlns:a16="http://schemas.microsoft.com/office/drawing/2014/main" xmlns="" id="{4E8A7552-20E1-4F34-ADAB-C1DB6634D47E}"/>
+                <a16:creationId xmlns:a16="http://schemas.microsoft.com/office/drawing/2014/main" id="{4E8A7552-20E1-4F34-ADAB-C1DB6634D47E}"/>
               </a:ext>
               <a:ext uri="{C183D7F6-B498-43B3-948B-1728B52AA6E4}">
-                <adec:decorative xmlns:adec="http://schemas.microsoft.com/office/drawing/2017/decorative" xmlns="" val="1"/>
+                <adec:decorative xmlns:adec="http://schemas.microsoft.com/office/drawing/2017/decorative" val="1"/>
               </a:ext>
             </a:extLst>
           </p:cNvPr>
@@ -4817,7 +5681,7 @@
           <p:nvPr>
             <p:extLst>
               <p:ext uri="{386F3935-93C4-4BCD-93E2-E3B085C9AB24}">
-                <p16:designElem xmlns:p16="http://schemas.microsoft.com/office/powerpoint/2015/main" xmlns="" val="1"/>
+                <p16:designElem xmlns:p16="http://schemas.microsoft.com/office/powerpoint/2015/main" val="1"/>
               </p:ext>
             </p:extLst>
           </p:nvPr>
@@ -4873,10 +5737,10 @@
         </p:nvGrpSpPr>
         <p:grpSpPr>
           <a:xfrm>
-            <a:off x="164848" y="9558"/>
-            <a:ext cx="11949786" cy="6708362"/>
-            <a:chOff x="164848" y="9558"/>
-            <a:chExt cx="11949786" cy="6708362"/>
+            <a:off x="164848" y="268699"/>
+            <a:ext cx="12411900" cy="6449221"/>
+            <a:chOff x="164848" y="268699"/>
+            <a:chExt cx="12411900" cy="6449221"/>
           </a:xfrm>
         </p:grpSpPr>
         <p:pic>
@@ -4884,7 +5748,7 @@
             <p:cNvPr id="8" name="Picture 7">
               <a:extLst>
                 <a:ext uri="{FF2B5EF4-FFF2-40B4-BE49-F238E27FC236}">
-                  <a16:creationId xmlns:a16="http://schemas.microsoft.com/office/drawing/2014/main" xmlns="" id="{FF98A678-9A16-4C5C-B666-BE70FF22FBC1}"/>
+                  <a16:creationId xmlns:a16="http://schemas.microsoft.com/office/drawing/2014/main" id="{FF98A678-9A16-4C5C-B666-BE70FF22FBC1}"/>
                 </a:ext>
               </a:extLst>
             </p:cNvPr>
@@ -4936,7 +5800,7 @@
             <p:cNvPr id="5" name="Picture 4">
               <a:extLst>
                 <a:ext uri="{FF2B5EF4-FFF2-40B4-BE49-F238E27FC236}">
-                  <a16:creationId xmlns:a16="http://schemas.microsoft.com/office/drawing/2014/main" xmlns="" id="{D5B3BAC4-1A3E-42B8-896A-6D4048C8DB4E}"/>
+                  <a16:creationId xmlns:a16="http://schemas.microsoft.com/office/drawing/2014/main" id="{D5B3BAC4-1A3E-42B8-896A-6D4048C8DB4E}"/>
                 </a:ext>
               </a:extLst>
             </p:cNvPr>
@@ -4972,7 +5836,7 @@
             <p:cNvPr id="2" name="TextBox 1">
               <a:extLst>
                 <a:ext uri="{FF2B5EF4-FFF2-40B4-BE49-F238E27FC236}">
-                  <a16:creationId xmlns:a16="http://schemas.microsoft.com/office/drawing/2014/main" xmlns="" id="{DF0627A4-7228-4EFE-AF53-980F3F9960C9}"/>
+                  <a16:creationId xmlns:a16="http://schemas.microsoft.com/office/drawing/2014/main" id="{DF0627A4-7228-4EFE-AF53-980F3F9960C9}"/>
                 </a:ext>
               </a:extLst>
             </p:cNvPr>
@@ -4982,7 +5846,7 @@
           <p:spPr>
             <a:xfrm>
               <a:off x="6126480" y="268699"/>
-              <a:ext cx="3852472" cy="830997"/>
+              <a:ext cx="6450268" cy="1446550"/>
             </a:xfrm>
             <a:prstGeom prst="rect">
               <a:avLst/>
@@ -4996,36 +5860,18 @@
             <a:lstStyle/>
             <a:p>
               <a:r>
-                <a:rPr lang="en-US" sz="4800" b="1" i="1" dirty="0"/>
-                <a:t>Go Beavs!!</a:t>
+                <a:rPr lang="en-US" sz="4400" b="1" i="1" dirty="0"/>
+                <a:t>Ph.D.</a:t>
+              </a:r>
+            </a:p>
+            <a:p>
+              <a:r>
+                <a:rPr lang="en-US" sz="4400" b="1" i="1" dirty="0"/>
+                <a:t>Oregon State University</a:t>
               </a:r>
             </a:p>
           </p:txBody>
         </p:sp>
-        <p:pic>
-          <p:nvPicPr>
-            <p:cNvPr id="3" name="Picture 2"/>
-            <p:cNvPicPr>
-              <a:picLocks noChangeAspect="1"/>
-            </p:cNvPicPr>
-            <p:nvPr/>
-          </p:nvPicPr>
-          <p:blipFill>
-            <a:blip r:embed="rId5"/>
-            <a:stretch>
-              <a:fillRect/>
-            </a:stretch>
-          </p:blipFill>
-          <p:spPr>
-            <a:xfrm>
-              <a:off x="9633560" y="9558"/>
-              <a:ext cx="2443599" cy="1427449"/>
-            </a:xfrm>
-            <a:prstGeom prst="rect">
-              <a:avLst/>
-            </a:prstGeom>
-          </p:spPr>
-        </p:pic>
       </p:grpSp>
     </p:spTree>
     <p:extLst>
@@ -5037,13 +5883,6 @@
   <p:clrMapOvr>
     <a:masterClrMapping/>
   </p:clrMapOvr>
-  <p:timing>
-    <p:tnLst>
-      <p:par>
-        <p:cTn id="1" dur="indefinite" restart="never" nodeType="tmRoot"/>
-      </p:par>
-    </p:tnLst>
-  </p:timing>
 </p:sld>
 </file>
 
@@ -5087,10 +5926,9 @@
           <a:lstStyle/>
           <a:p>
             <a:r>
-              <a:rPr lang="en-US" sz="5400" b="1" dirty="0" smtClean="0"/>
+              <a:rPr lang="en-US" sz="5400" b="1" dirty="0"/>
               <a:t>Information about workshop </a:t>
             </a:r>
-            <a:endParaRPr lang="en-US" sz="5400" b="1" dirty="0"/>
           </a:p>
         </p:txBody>
       </p:sp>
@@ -5102,8 +5940,8 @@
         </p:nvSpPr>
         <p:spPr>
           <a:xfrm>
-            <a:off x="801858" y="1730325"/>
-            <a:ext cx="11197883" cy="4524315"/>
+            <a:off x="801858" y="1535453"/>
+            <a:ext cx="11197883" cy="5078313"/>
           </a:xfrm>
           <a:prstGeom prst="rect">
             <a:avLst/>
@@ -5121,8 +5959,8 @@
               <a:buChar char="•"/>
             </a:pPr>
             <a:r>
-              <a:rPr lang="en-US" sz="3600" dirty="0" smtClean="0"/>
-              <a:t>This will be a 2.5 day workshop</a:t>
+              <a:rPr lang="en-US" sz="3600" dirty="0"/>
+              <a:t>This will be a 2.5-3 day workshop </a:t>
             </a:r>
           </a:p>
           <a:p>
@@ -5131,7 +5969,7 @@
               <a:buChar char="•"/>
             </a:pPr>
             <a:r>
-              <a:rPr lang="en-US" sz="3600" dirty="0" smtClean="0"/>
+              <a:rPr lang="en-US" sz="3600" dirty="0"/>
               <a:t>Each day 10 am - 4 pm with appropriate breaks</a:t>
             </a:r>
           </a:p>
@@ -5141,9 +5979,16 @@
               <a:buChar char="•"/>
             </a:pPr>
             <a:r>
-              <a:rPr lang="en-US" sz="3600" dirty="0" smtClean="0"/>
-              <a:t>We will learn 3 things in this workshop</a:t>
-            </a:r>
+              <a:rPr lang="en-US" sz="3600" dirty="0"/>
+              <a:t>We will learn 3 important things in this workshop</a:t>
+            </a:r>
+          </a:p>
+          <a:p>
+            <a:pPr marL="285750" indent="-285750">
+              <a:buFont typeface="Arial" panose="020B0604020202020204" pitchFamily="34" charset="0"/>
+              <a:buChar char="•"/>
+            </a:pPr>
+            <a:endParaRPr lang="en-US" sz="3600" dirty="0"/>
           </a:p>
           <a:p>
             <a:pPr marL="742950" lvl="1" indent="-285750">
@@ -5151,7 +5996,7 @@
               <a:buChar char="•"/>
             </a:pPr>
             <a:r>
-              <a:rPr lang="en-US" sz="3600" dirty="0" smtClean="0"/>
+              <a:rPr lang="en-US" sz="3600" dirty="0"/>
               <a:t>What is population genetics?</a:t>
             </a:r>
           </a:p>
@@ -5161,7 +6006,7 @@
               <a:buChar char="•"/>
             </a:pPr>
             <a:r>
-              <a:rPr lang="en-US" sz="3600" dirty="0" smtClean="0"/>
+              <a:rPr lang="en-US" sz="3600" dirty="0"/>
               <a:t>What is R and R programming?</a:t>
             </a:r>
           </a:p>
@@ -5171,7 +6016,7 @@
               <a:buChar char="•"/>
             </a:pPr>
             <a:r>
-              <a:rPr lang="en-US" sz="3600" dirty="0" smtClean="0"/>
+              <a:rPr lang="en-US" sz="3600" dirty="0"/>
               <a:t>How to analyze population genetics data in R?</a:t>
             </a:r>
           </a:p>
@@ -5188,7 +6033,7 @@
               <a:buChar char="•"/>
             </a:pPr>
             <a:r>
-              <a:rPr lang="en-US" sz="3600" dirty="0" smtClean="0"/>
+              <a:rPr lang="en-US" sz="3600" dirty="0"/>
               <a:t>Be respectful </a:t>
             </a:r>
           </a:p>
@@ -5247,7 +6092,7 @@
           <a:lstStyle/>
           <a:p>
             <a:r>
-              <a:rPr lang="en-US" sz="4800" b="1" dirty="0" smtClean="0"/>
+              <a:rPr lang="en-US" sz="4800" b="1" dirty="0"/>
               <a:t>Overall outline:</a:t>
             </a:r>
           </a:p>
@@ -5256,36 +6101,47 @@
           </a:p>
           <a:p>
             <a:r>
-              <a:rPr lang="en-US" sz="3600" dirty="0" smtClean="0"/>
-              <a:t>Day 1: Lecture  on introduction to population genetics, Hardy Weinberg equilibrium, microsatellite markers, population structure and clustering.</a:t>
-            </a:r>
-          </a:p>
-          <a:p>
-            <a:endParaRPr lang="en-US" sz="3600" dirty="0" smtClean="0"/>
-          </a:p>
-          <a:p>
-            <a:r>
-              <a:rPr lang="en-US" sz="3600" dirty="0" smtClean="0"/>
-              <a:t>Day 2: R and </a:t>
-            </a:r>
-            <a:r>
-              <a:rPr lang="en-US" sz="3600" dirty="0" err="1" smtClean="0"/>
+              <a:rPr lang="en-US" sz="3600" b="1" dirty="0"/>
+              <a:t>Day 1: </a:t>
+            </a:r>
+            <a:r>
+              <a:rPr lang="en-US" sz="3600" dirty="0"/>
+              <a:t>Lecture  on introduction to population genetics, Hardy Weinberg equilibrium, microsatellite markers, population structure and clustering, neighbor joining tree.</a:t>
+            </a:r>
+          </a:p>
+          <a:p>
+            <a:endParaRPr lang="en-US" sz="3600" dirty="0"/>
+          </a:p>
+          <a:p>
+            <a:r>
+              <a:rPr lang="en-US" sz="3600" b="1" dirty="0"/>
+              <a:t>Day 2: </a:t>
+            </a:r>
+            <a:r>
+              <a:rPr lang="en-US" sz="3600" dirty="0"/>
+              <a:t>R and </a:t>
+            </a:r>
+            <a:r>
+              <a:rPr lang="en-US" sz="3600" dirty="0" err="1"/>
               <a:t>Rstudio</a:t>
             </a:r>
             <a:r>
-              <a:rPr lang="en-US" sz="3600" dirty="0" smtClean="0"/>
+              <a:rPr lang="en-US" sz="3600" dirty="0"/>
               <a:t>, data analysis in R and plotting.</a:t>
             </a:r>
           </a:p>
           <a:p>
-            <a:endParaRPr lang="en-US" sz="3600" dirty="0" smtClean="0"/>
-          </a:p>
-          <a:p>
-            <a:r>
-              <a:rPr lang="en-US" sz="3600" dirty="0" smtClean="0"/>
-              <a:t>Day 3: Microsatellite data analysis in R (Shakya et al. 2018)  and certificate distribution</a:t>
-            </a:r>
             <a:endParaRPr lang="en-US" sz="3600" dirty="0"/>
+          </a:p>
+          <a:p>
+            <a:r>
+              <a:rPr lang="en-US" sz="3600" b="1" dirty="0"/>
+              <a:t>Day 3: </a:t>
+            </a:r>
+            <a:r>
+              <a:rPr lang="en-US" sz="3600" dirty="0"/>
+              <a:t>Microsatellite data analysis in R (Shakya et al. 2018)  and certificate distribution</a:t>
+            </a:r>
           </a:p>
         </p:txBody>
       </p:sp>
@@ -5342,10 +6198,9 @@
           <a:lstStyle/>
           <a:p>
             <a:r>
-              <a:rPr lang="en-US" sz="5400" b="1" dirty="0" smtClean="0"/>
+              <a:rPr lang="en-US" sz="5400" b="1" dirty="0"/>
               <a:t>Now lets make a group of 4 people</a:t>
             </a:r>
-            <a:endParaRPr lang="en-US" sz="5400" b="1" dirty="0"/>
           </a:p>
         </p:txBody>
       </p:sp>
@@ -5402,10 +6257,9 @@
           <a:lstStyle/>
           <a:p>
             <a:r>
-              <a:rPr lang="en-US" sz="4400" b="1" dirty="0" smtClean="0"/>
+              <a:rPr lang="en-US" sz="4400" b="1" dirty="0"/>
               <a:t>Day 1 : Intro to population genetics</a:t>
             </a:r>
-            <a:endParaRPr lang="en-US" sz="4400" b="1" dirty="0"/>
           </a:p>
         </p:txBody>
       </p:sp>
@@ -5418,7 +6272,7 @@
         <p:spPr>
           <a:xfrm>
             <a:off x="407962" y="1261811"/>
-            <a:ext cx="11629293" cy="3785652"/>
+            <a:ext cx="11629293" cy="5262979"/>
           </a:xfrm>
           <a:prstGeom prst="rect">
             <a:avLst/>
@@ -5431,21 +6285,21 @@
           <a:lstStyle/>
           <a:p>
             <a:r>
-              <a:rPr lang="en-US" sz="2400" i="0" dirty="0" smtClean="0">
+              <a:rPr lang="en-US" sz="2800" i="0" dirty="0">
                 <a:effectLst/>
                 <a:cs typeface="Calibri Light" panose="020F0302020204030204" pitchFamily="34" charset="0"/>
               </a:rPr>
               <a:t>Study of genetic composition of the population and forces that cause changes in this composition. Simply, it is also the study of forces like </a:t>
             </a:r>
             <a:r>
-              <a:rPr lang="en-US" sz="2400" b="1" i="0" dirty="0" smtClean="0">
+              <a:rPr lang="en-US" sz="2800" b="1" i="0" dirty="0">
                 <a:effectLst/>
                 <a:cs typeface="Calibri Light" panose="020F0302020204030204" pitchFamily="34" charset="0"/>
               </a:rPr>
               <a:t>mutation, migration, selection and drift</a:t>
             </a:r>
             <a:r>
-              <a:rPr lang="en-US" sz="2400" i="0" dirty="0" smtClean="0">
+              <a:rPr lang="en-US" sz="2800" i="0" dirty="0">
                 <a:effectLst/>
                 <a:cs typeface="Calibri Light" panose="020F0302020204030204" pitchFamily="34" charset="0"/>
               </a:rPr>
@@ -5453,21 +6307,21 @@
             </a:r>
           </a:p>
           <a:p>
-            <a:endParaRPr lang="en-US" sz="2400" i="0" dirty="0" smtClean="0">
+            <a:endParaRPr lang="en-US" sz="2800" i="0" dirty="0">
               <a:effectLst/>
               <a:cs typeface="Calibri Light" panose="020F0302020204030204" pitchFamily="34" charset="0"/>
             </a:endParaRPr>
           </a:p>
           <a:p>
             <a:r>
-              <a:rPr lang="en-US" sz="2400" b="1" i="0" dirty="0" smtClean="0">
+              <a:rPr lang="en-US" sz="2800" b="1" i="0" dirty="0">
                 <a:effectLst/>
                 <a:cs typeface="Calibri Light" panose="020F0302020204030204" pitchFamily="34" charset="0"/>
               </a:rPr>
               <a:t>Locus (plural loci):</a:t>
             </a:r>
             <a:r>
-              <a:rPr lang="en-US" sz="2400" i="0" dirty="0" smtClean="0">
+              <a:rPr lang="en-US" sz="2800" i="0" dirty="0">
                 <a:effectLst/>
                 <a:cs typeface="Calibri Light" panose="020F0302020204030204" pitchFamily="34" charset="0"/>
               </a:rPr>
@@ -5475,19 +6329,19 @@
             </a:r>
           </a:p>
           <a:p>
-            <a:endParaRPr lang="en-US" sz="2400" dirty="0">
+            <a:endParaRPr lang="en-US" sz="2800" dirty="0">
               <a:cs typeface="Calibri Light" panose="020F0302020204030204" pitchFamily="34" charset="0"/>
             </a:endParaRPr>
           </a:p>
           <a:p>
-            <a:endParaRPr lang="en-US" sz="2400" i="0" dirty="0" smtClean="0">
+            <a:endParaRPr lang="en-US" sz="2800" i="0" dirty="0">
               <a:effectLst/>
               <a:cs typeface="Calibri Light" panose="020F0302020204030204" pitchFamily="34" charset="0"/>
             </a:endParaRPr>
           </a:p>
           <a:p>
             <a:r>
-              <a:rPr lang="en-US" sz="2400" b="1" dirty="0" smtClean="0">
+              <a:rPr lang="en-US" sz="2800" b="1" dirty="0">
                 <a:cs typeface="Calibri Light" panose="020F0302020204030204" pitchFamily="34" charset="0"/>
               </a:rPr>
               <a:t>ATGC………………………………………………………….</a:t>
@@ -5495,7 +6349,7 @@
           </a:p>
           <a:p>
             <a:r>
-              <a:rPr lang="en-US" sz="2400" b="1" i="0" dirty="0" smtClean="0">
+              <a:rPr lang="en-US" sz="2800" b="1" i="0" dirty="0">
                 <a:effectLst/>
                 <a:cs typeface="Calibri Light" panose="020F0302020204030204" pitchFamily="34" charset="0"/>
               </a:rPr>
@@ -5503,7 +6357,7 @@
             </a:r>
           </a:p>
           <a:p>
-            <a:endParaRPr lang="en-US" sz="2400" i="0" dirty="0" smtClean="0">
+            <a:endParaRPr lang="en-US" sz="2800" i="0" dirty="0">
               <a:effectLst/>
               <a:cs typeface="Calibri Light" panose="020F0302020204030204" pitchFamily="34" charset="0"/>
             </a:endParaRPr>
@@ -5562,7 +6416,7 @@
           <a:lstStyle/>
           <a:p>
             <a:r>
-              <a:rPr lang="en-US" sz="2800" b="1" i="0" dirty="0" smtClean="0">
+              <a:rPr lang="en-US" sz="2800" b="1" i="0" dirty="0">
                 <a:effectLst/>
                 <a:cs typeface="Calibri Light" panose="020F0302020204030204" pitchFamily="34" charset="0"/>
               </a:rPr>
@@ -5785,7 +6639,7 @@
               <p:cNvPr id="8" name="TextBox 7">
                 <a:extLst>
                   <a:ext uri="{FF2B5EF4-FFF2-40B4-BE49-F238E27FC236}">
-                    <a16:creationId xmlns:a16="http://schemas.microsoft.com/office/drawing/2014/main" xmlns="" id="{1B08B8B4-BF3A-46A8-AB53-903AFE9AD45D}"/>
+                    <a16:creationId xmlns:a16="http://schemas.microsoft.com/office/drawing/2014/main" id="{1B08B8B4-BF3A-46A8-AB53-903AFE9AD45D}"/>
                   </a:ext>
                 </a:extLst>
               </p:cNvPr>
